--- a/channel equalization/channel equalization report.pptx
+++ b/channel equalization/channel equalization report.pptx
@@ -409,7 +409,7 @@
           <a:p>
             <a:fld id="{3061FCB4-5B0F-4F89-A344-FBA67D40ECCB}" type="datetimeFigureOut">
               <a:rPr lang="zh-TW" altLang="en-US" smtClean="0"/>
-              <a:t>2022/7/1</a:t>
+              <a:t>2022/7/4</a:t>
             </a:fld>
             <a:endParaRPr lang="zh-TW" altLang="en-US"/>
           </a:p>
@@ -975,7 +975,7 @@
           <a:p>
             <a:fld id="{633CDB1E-0C9B-4D78-88B5-101D85F399D7}" type="datetimeFigureOut">
               <a:rPr lang="zh-TW" altLang="en-US" smtClean="0"/>
-              <a:t>2022/7/1</a:t>
+              <a:t>2022/7/4</a:t>
             </a:fld>
             <a:endParaRPr lang="zh-TW" altLang="en-US"/>
           </a:p>
@@ -1145,7 +1145,7 @@
           <a:p>
             <a:fld id="{633CDB1E-0C9B-4D78-88B5-101D85F399D7}" type="datetimeFigureOut">
               <a:rPr lang="zh-TW" altLang="en-US" smtClean="0"/>
-              <a:t>2022/7/1</a:t>
+              <a:t>2022/7/4</a:t>
             </a:fld>
             <a:endParaRPr lang="zh-TW" altLang="en-US"/>
           </a:p>
@@ -1325,7 +1325,7 @@
           <a:p>
             <a:fld id="{633CDB1E-0C9B-4D78-88B5-101D85F399D7}" type="datetimeFigureOut">
               <a:rPr lang="zh-TW" altLang="en-US" smtClean="0"/>
-              <a:t>2022/7/1</a:t>
+              <a:t>2022/7/4</a:t>
             </a:fld>
             <a:endParaRPr lang="zh-TW" altLang="en-US"/>
           </a:p>
@@ -1495,7 +1495,7 @@
           <a:p>
             <a:fld id="{633CDB1E-0C9B-4D78-88B5-101D85F399D7}" type="datetimeFigureOut">
               <a:rPr lang="zh-TW" altLang="en-US" smtClean="0"/>
-              <a:t>2022/7/1</a:t>
+              <a:t>2022/7/4</a:t>
             </a:fld>
             <a:endParaRPr lang="zh-TW" altLang="en-US"/>
           </a:p>
@@ -1741,7 +1741,7 @@
           <a:p>
             <a:fld id="{633CDB1E-0C9B-4D78-88B5-101D85F399D7}" type="datetimeFigureOut">
               <a:rPr lang="zh-TW" altLang="en-US" smtClean="0"/>
-              <a:t>2022/7/1</a:t>
+              <a:t>2022/7/4</a:t>
             </a:fld>
             <a:endParaRPr lang="zh-TW" altLang="en-US"/>
           </a:p>
@@ -1973,7 +1973,7 @@
           <a:p>
             <a:fld id="{633CDB1E-0C9B-4D78-88B5-101D85F399D7}" type="datetimeFigureOut">
               <a:rPr lang="zh-TW" altLang="en-US" smtClean="0"/>
-              <a:t>2022/7/1</a:t>
+              <a:t>2022/7/4</a:t>
             </a:fld>
             <a:endParaRPr lang="zh-TW" altLang="en-US"/>
           </a:p>
@@ -2340,7 +2340,7 @@
           <a:p>
             <a:fld id="{633CDB1E-0C9B-4D78-88B5-101D85F399D7}" type="datetimeFigureOut">
               <a:rPr lang="zh-TW" altLang="en-US" smtClean="0"/>
-              <a:t>2022/7/1</a:t>
+              <a:t>2022/7/4</a:t>
             </a:fld>
             <a:endParaRPr lang="zh-TW" altLang="en-US"/>
           </a:p>
@@ -2458,7 +2458,7 @@
           <a:p>
             <a:fld id="{633CDB1E-0C9B-4D78-88B5-101D85F399D7}" type="datetimeFigureOut">
               <a:rPr lang="zh-TW" altLang="en-US" smtClean="0"/>
-              <a:t>2022/7/1</a:t>
+              <a:t>2022/7/4</a:t>
             </a:fld>
             <a:endParaRPr lang="zh-TW" altLang="en-US"/>
           </a:p>
@@ -2553,7 +2553,7 @@
           <a:p>
             <a:fld id="{633CDB1E-0C9B-4D78-88B5-101D85F399D7}" type="datetimeFigureOut">
               <a:rPr lang="zh-TW" altLang="en-US" smtClean="0"/>
-              <a:t>2022/7/1</a:t>
+              <a:t>2022/7/4</a:t>
             </a:fld>
             <a:endParaRPr lang="zh-TW" altLang="en-US"/>
           </a:p>
@@ -2830,7 +2830,7 @@
           <a:p>
             <a:fld id="{633CDB1E-0C9B-4D78-88B5-101D85F399D7}" type="datetimeFigureOut">
               <a:rPr lang="zh-TW" altLang="en-US" smtClean="0"/>
-              <a:t>2022/7/1</a:t>
+              <a:t>2022/7/4</a:t>
             </a:fld>
             <a:endParaRPr lang="zh-TW" altLang="en-US"/>
           </a:p>
@@ -3083,7 +3083,7 @@
           <a:p>
             <a:fld id="{633CDB1E-0C9B-4D78-88B5-101D85F399D7}" type="datetimeFigureOut">
               <a:rPr lang="zh-TW" altLang="en-US" smtClean="0"/>
-              <a:t>2022/7/1</a:t>
+              <a:t>2022/7/4</a:t>
             </a:fld>
             <a:endParaRPr lang="zh-TW" altLang="en-US"/>
           </a:p>
@@ -3296,7 +3296,7 @@
           <a:p>
             <a:fld id="{633CDB1E-0C9B-4D78-88B5-101D85F399D7}" type="datetimeFigureOut">
               <a:rPr lang="zh-TW" altLang="en-US" smtClean="0"/>
-              <a:t>2022/7/1</a:t>
+              <a:t>2022/7/4</a:t>
             </a:fld>
             <a:endParaRPr lang="zh-TW" altLang="en-US"/>
           </a:p>
@@ -3875,29 +3875,12 @@
           <a:lstStyle/>
           <a:p>
             <a:r>
+              <a:rPr lang="en-US" altLang="zh-TW" sz="2400" dirty="0" smtClean="0"/>
+              <a:t>LMS </a:t>
+            </a:r>
+            <a:r>
               <a:rPr lang="en-US" altLang="zh-TW" sz="2400" dirty="0"/>
-              <a:t>Three equalizers have </a:t>
-            </a:r>
-            <a:r>
-              <a:rPr lang="en-US" altLang="zh-TW" sz="2400" dirty="0">
-                <a:solidFill>
-                  <a:srgbClr val="FF0000"/>
-                </a:solidFill>
-              </a:rPr>
-              <a:t>similar</a:t>
-            </a:r>
-            <a:r>
-              <a:rPr lang="en-US" altLang="zh-TW" sz="2400" dirty="0"/>
-              <a:t> performances.</a:t>
-            </a:r>
-          </a:p>
-          <a:p>
-            <a:endParaRPr lang="en-US" altLang="zh-TW" sz="2400" dirty="0"/>
-          </a:p>
-          <a:p>
-            <a:r>
-              <a:rPr lang="en-US" altLang="zh-TW" sz="2400" dirty="0"/>
-              <a:t>LMS converges </a:t>
+              <a:t>converges </a:t>
             </a:r>
             <a:r>
               <a:rPr lang="en-US" altLang="zh-TW" sz="2400" dirty="0">
@@ -3927,13 +3910,24 @@
               <a:rPr lang="en-US" altLang="zh-TW" sz="2400" dirty="0" smtClean="0"/>
               <a:t>.</a:t>
             </a:r>
+          </a:p>
+          <a:p>
+            <a:endParaRPr lang="en-US" altLang="zh-TW" sz="2400" dirty="0"/>
+          </a:p>
+          <a:p>
+            <a:r>
+              <a:rPr lang="en-US" altLang="zh-TW" sz="2400" dirty="0"/>
+              <a:t>Zero-Forcing is worse than Wiener filter due to the noise enhancement.</a:t>
+            </a:r>
+          </a:p>
+          <a:p>
             <a:endParaRPr lang="en-US" altLang="zh-TW" sz="2400" dirty="0"/>
           </a:p>
         </p:txBody>
       </p:sp>
       <p:pic>
         <p:nvPicPr>
-          <p:cNvPr id="3" name="圖片 2"/>
+          <p:cNvPr id="4" name="圖片 3"/>
           <p:cNvPicPr>
             <a:picLocks noChangeAspect="1"/>
           </p:cNvPicPr>
@@ -3947,8 +3941,8 @@
         </p:blipFill>
         <p:spPr>
           <a:xfrm>
-            <a:off x="669460" y="1509884"/>
-            <a:ext cx="6229471" cy="4671107"/>
+            <a:off x="652719" y="1536261"/>
+            <a:ext cx="6206021" cy="4653523"/>
           </a:xfrm>
           <a:prstGeom prst="rect">
             <a:avLst/>

--- a/channel equalization/channel equalization report.pptx
+++ b/channel equalization/channel equalization report.pptx
@@ -5,7 +5,7 @@
     <p:sldMasterId id="2147483677" r:id="rId1"/>
   </p:sldMasterIdLst>
   <p:notesMasterIdLst>
-    <p:notesMasterId r:id="rId14"/>
+    <p:notesMasterId r:id="rId15"/>
   </p:notesMasterIdLst>
   <p:sldIdLst>
     <p:sldId id="256" r:id="rId2"/>
@@ -15,11 +15,12 @@
     <p:sldId id="279" r:id="rId6"/>
     <p:sldId id="282" r:id="rId7"/>
     <p:sldId id="283" r:id="rId8"/>
-    <p:sldId id="284" r:id="rId9"/>
-    <p:sldId id="285" r:id="rId10"/>
-    <p:sldId id="286" r:id="rId11"/>
-    <p:sldId id="287" r:id="rId12"/>
-    <p:sldId id="289" r:id="rId13"/>
+    <p:sldId id="290" r:id="rId9"/>
+    <p:sldId id="284" r:id="rId10"/>
+    <p:sldId id="285" r:id="rId11"/>
+    <p:sldId id="286" r:id="rId12"/>
+    <p:sldId id="287" r:id="rId13"/>
+    <p:sldId id="289" r:id="rId14"/>
   </p:sldIdLst>
   <p:sldSz cx="12192000" cy="6858000"/>
   <p:notesSz cx="6858000" cy="9144000"/>
@@ -409,7 +410,7 @@
           <a:p>
             <a:fld id="{3061FCB4-5B0F-4F89-A344-FBA67D40ECCB}" type="datetimeFigureOut">
               <a:rPr lang="zh-TW" altLang="en-US" smtClean="0"/>
-              <a:t>2022/7/4</a:t>
+              <a:t>2022/7/6</a:t>
             </a:fld>
             <a:endParaRPr lang="zh-TW" altLang="en-US"/>
           </a:p>
@@ -886,10 +887,9 @@
           </a:lstStyle>
           <a:p>
             <a:r>
-              <a:rPr lang="zh-TW" altLang="en-US" smtClean="0"/>
+              <a:rPr lang="zh-TW" altLang="en-US"/>
               <a:t>按一下以編輯母片標題樣式</a:t>
             </a:r>
-            <a:endParaRPr lang="zh-TW" altLang="en-US"/>
           </a:p>
         </p:txBody>
       </p:sp>
@@ -951,10 +951,9 @@
           </a:lstStyle>
           <a:p>
             <a:r>
-              <a:rPr lang="zh-TW" altLang="en-US" smtClean="0"/>
+              <a:rPr lang="zh-TW" altLang="en-US"/>
               <a:t>按一下以編輯母片副標題樣式</a:t>
             </a:r>
-            <a:endParaRPr lang="zh-TW" altLang="en-US"/>
           </a:p>
         </p:txBody>
       </p:sp>
@@ -975,7 +974,7 @@
           <a:p>
             <a:fld id="{633CDB1E-0C9B-4D78-88B5-101D85F399D7}" type="datetimeFigureOut">
               <a:rPr lang="zh-TW" altLang="en-US" smtClean="0"/>
-              <a:t>2022/7/4</a:t>
+              <a:t>2022/7/6</a:t>
             </a:fld>
             <a:endParaRPr lang="zh-TW" altLang="en-US"/>
           </a:p>
@@ -1069,10 +1068,9 @@
           <a:lstStyle/>
           <a:p>
             <a:r>
-              <a:rPr lang="zh-TW" altLang="en-US" smtClean="0"/>
+              <a:rPr lang="zh-TW" altLang="en-US"/>
               <a:t>按一下以編輯母片標題樣式</a:t>
             </a:r>
-            <a:endParaRPr lang="zh-TW" altLang="en-US"/>
           </a:p>
         </p:txBody>
       </p:sp>
@@ -1093,38 +1091,37 @@
           <a:p>
             <a:pPr lvl="0"/>
             <a:r>
-              <a:rPr lang="zh-TW" altLang="en-US" smtClean="0"/>
+              <a:rPr lang="zh-TW" altLang="en-US"/>
               <a:t>編輯母片文字樣式</a:t>
             </a:r>
           </a:p>
           <a:p>
             <a:pPr lvl="1"/>
             <a:r>
-              <a:rPr lang="zh-TW" altLang="en-US" smtClean="0"/>
+              <a:rPr lang="zh-TW" altLang="en-US"/>
               <a:t>第二層</a:t>
             </a:r>
           </a:p>
           <a:p>
             <a:pPr lvl="2"/>
             <a:r>
-              <a:rPr lang="zh-TW" altLang="en-US" smtClean="0"/>
+              <a:rPr lang="zh-TW" altLang="en-US"/>
               <a:t>第三層</a:t>
             </a:r>
           </a:p>
           <a:p>
             <a:pPr lvl="3"/>
             <a:r>
-              <a:rPr lang="zh-TW" altLang="en-US" smtClean="0"/>
+              <a:rPr lang="zh-TW" altLang="en-US"/>
               <a:t>第四層</a:t>
             </a:r>
           </a:p>
           <a:p>
             <a:pPr lvl="4"/>
             <a:r>
-              <a:rPr lang="zh-TW" altLang="en-US" smtClean="0"/>
+              <a:rPr lang="zh-TW" altLang="en-US"/>
               <a:t>第五層</a:t>
             </a:r>
-            <a:endParaRPr lang="zh-TW" altLang="en-US"/>
           </a:p>
         </p:txBody>
       </p:sp>
@@ -1145,7 +1142,7 @@
           <a:p>
             <a:fld id="{633CDB1E-0C9B-4D78-88B5-101D85F399D7}" type="datetimeFigureOut">
               <a:rPr lang="zh-TW" altLang="en-US" smtClean="0"/>
-              <a:t>2022/7/4</a:t>
+              <a:t>2022/7/6</a:t>
             </a:fld>
             <a:endParaRPr lang="zh-TW" altLang="en-US"/>
           </a:p>
@@ -1244,10 +1241,9 @@
           <a:lstStyle/>
           <a:p>
             <a:r>
-              <a:rPr lang="zh-TW" altLang="en-US" smtClean="0"/>
+              <a:rPr lang="zh-TW" altLang="en-US"/>
               <a:t>按一下以編輯母片標題樣式</a:t>
             </a:r>
-            <a:endParaRPr lang="zh-TW" altLang="en-US"/>
           </a:p>
         </p:txBody>
       </p:sp>
@@ -1273,38 +1269,37 @@
           <a:p>
             <a:pPr lvl="0"/>
             <a:r>
-              <a:rPr lang="zh-TW" altLang="en-US" smtClean="0"/>
+              <a:rPr lang="zh-TW" altLang="en-US"/>
               <a:t>編輯母片文字樣式</a:t>
             </a:r>
           </a:p>
           <a:p>
             <a:pPr lvl="1"/>
             <a:r>
-              <a:rPr lang="zh-TW" altLang="en-US" smtClean="0"/>
+              <a:rPr lang="zh-TW" altLang="en-US"/>
               <a:t>第二層</a:t>
             </a:r>
           </a:p>
           <a:p>
             <a:pPr lvl="2"/>
             <a:r>
-              <a:rPr lang="zh-TW" altLang="en-US" smtClean="0"/>
+              <a:rPr lang="zh-TW" altLang="en-US"/>
               <a:t>第三層</a:t>
             </a:r>
           </a:p>
           <a:p>
             <a:pPr lvl="3"/>
             <a:r>
-              <a:rPr lang="zh-TW" altLang="en-US" smtClean="0"/>
+              <a:rPr lang="zh-TW" altLang="en-US"/>
               <a:t>第四層</a:t>
             </a:r>
           </a:p>
           <a:p>
             <a:pPr lvl="4"/>
             <a:r>
-              <a:rPr lang="zh-TW" altLang="en-US" smtClean="0"/>
+              <a:rPr lang="zh-TW" altLang="en-US"/>
               <a:t>第五層</a:t>
             </a:r>
-            <a:endParaRPr lang="zh-TW" altLang="en-US"/>
           </a:p>
         </p:txBody>
       </p:sp>
@@ -1325,7 +1320,7 @@
           <a:p>
             <a:fld id="{633CDB1E-0C9B-4D78-88B5-101D85F399D7}" type="datetimeFigureOut">
               <a:rPr lang="zh-TW" altLang="en-US" smtClean="0"/>
-              <a:t>2022/7/4</a:t>
+              <a:t>2022/7/6</a:t>
             </a:fld>
             <a:endParaRPr lang="zh-TW" altLang="en-US"/>
           </a:p>
@@ -1419,10 +1414,9 @@
           <a:lstStyle/>
           <a:p>
             <a:r>
-              <a:rPr lang="zh-TW" altLang="en-US" smtClean="0"/>
+              <a:rPr lang="zh-TW" altLang="en-US"/>
               <a:t>按一下以編輯母片標題樣式</a:t>
             </a:r>
-            <a:endParaRPr lang="zh-TW" altLang="en-US"/>
           </a:p>
         </p:txBody>
       </p:sp>
@@ -1443,38 +1437,37 @@
           <a:p>
             <a:pPr lvl="0"/>
             <a:r>
-              <a:rPr lang="zh-TW" altLang="en-US" smtClean="0"/>
+              <a:rPr lang="zh-TW" altLang="en-US"/>
               <a:t>編輯母片文字樣式</a:t>
             </a:r>
           </a:p>
           <a:p>
             <a:pPr lvl="1"/>
             <a:r>
-              <a:rPr lang="zh-TW" altLang="en-US" smtClean="0"/>
+              <a:rPr lang="zh-TW" altLang="en-US"/>
               <a:t>第二層</a:t>
             </a:r>
           </a:p>
           <a:p>
             <a:pPr lvl="2"/>
             <a:r>
-              <a:rPr lang="zh-TW" altLang="en-US" smtClean="0"/>
+              <a:rPr lang="zh-TW" altLang="en-US"/>
               <a:t>第三層</a:t>
             </a:r>
           </a:p>
           <a:p>
             <a:pPr lvl="3"/>
             <a:r>
-              <a:rPr lang="zh-TW" altLang="en-US" smtClean="0"/>
+              <a:rPr lang="zh-TW" altLang="en-US"/>
               <a:t>第四層</a:t>
             </a:r>
           </a:p>
           <a:p>
             <a:pPr lvl="4"/>
             <a:r>
-              <a:rPr lang="zh-TW" altLang="en-US" smtClean="0"/>
+              <a:rPr lang="zh-TW" altLang="en-US"/>
               <a:t>第五層</a:t>
             </a:r>
-            <a:endParaRPr lang="zh-TW" altLang="en-US"/>
           </a:p>
         </p:txBody>
       </p:sp>
@@ -1495,7 +1488,7 @@
           <a:p>
             <a:fld id="{633CDB1E-0C9B-4D78-88B5-101D85F399D7}" type="datetimeFigureOut">
               <a:rPr lang="zh-TW" altLang="en-US" smtClean="0"/>
-              <a:t>2022/7/4</a:t>
+              <a:t>2022/7/6</a:t>
             </a:fld>
             <a:endParaRPr lang="zh-TW" altLang="en-US"/>
           </a:p>
@@ -1598,10 +1591,9 @@
           </a:lstStyle>
           <a:p>
             <a:r>
-              <a:rPr lang="zh-TW" altLang="en-US" smtClean="0"/>
+              <a:rPr lang="zh-TW" altLang="en-US"/>
               <a:t>按一下以編輯母片標題樣式</a:t>
             </a:r>
-            <a:endParaRPr lang="zh-TW" altLang="en-US"/>
           </a:p>
         </p:txBody>
       </p:sp>
@@ -1718,7 +1710,7 @@
           <a:p>
             <a:pPr lvl="0"/>
             <a:r>
-              <a:rPr lang="zh-TW" altLang="en-US" smtClean="0"/>
+              <a:rPr lang="zh-TW" altLang="en-US"/>
               <a:t>編輯母片文字樣式</a:t>
             </a:r>
           </a:p>
@@ -1741,7 +1733,7 @@
           <a:p>
             <a:fld id="{633CDB1E-0C9B-4D78-88B5-101D85F399D7}" type="datetimeFigureOut">
               <a:rPr lang="zh-TW" altLang="en-US" smtClean="0"/>
-              <a:t>2022/7/4</a:t>
+              <a:t>2022/7/6</a:t>
             </a:fld>
             <a:endParaRPr lang="zh-TW" altLang="en-US"/>
           </a:p>
@@ -1835,10 +1827,9 @@
           <a:lstStyle/>
           <a:p>
             <a:r>
-              <a:rPr lang="zh-TW" altLang="en-US" smtClean="0"/>
+              <a:rPr lang="zh-TW" altLang="en-US"/>
               <a:t>按一下以編輯母片標題樣式</a:t>
             </a:r>
-            <a:endParaRPr lang="zh-TW" altLang="en-US"/>
           </a:p>
         </p:txBody>
       </p:sp>
@@ -1864,38 +1855,37 @@
           <a:p>
             <a:pPr lvl="0"/>
             <a:r>
-              <a:rPr lang="zh-TW" altLang="en-US" smtClean="0"/>
+              <a:rPr lang="zh-TW" altLang="en-US"/>
               <a:t>編輯母片文字樣式</a:t>
             </a:r>
           </a:p>
           <a:p>
             <a:pPr lvl="1"/>
             <a:r>
-              <a:rPr lang="zh-TW" altLang="en-US" smtClean="0"/>
+              <a:rPr lang="zh-TW" altLang="en-US"/>
               <a:t>第二層</a:t>
             </a:r>
           </a:p>
           <a:p>
             <a:pPr lvl="2"/>
             <a:r>
-              <a:rPr lang="zh-TW" altLang="en-US" smtClean="0"/>
+              <a:rPr lang="zh-TW" altLang="en-US"/>
               <a:t>第三層</a:t>
             </a:r>
           </a:p>
           <a:p>
             <a:pPr lvl="3"/>
             <a:r>
-              <a:rPr lang="zh-TW" altLang="en-US" smtClean="0"/>
+              <a:rPr lang="zh-TW" altLang="en-US"/>
               <a:t>第四層</a:t>
             </a:r>
           </a:p>
           <a:p>
             <a:pPr lvl="4"/>
             <a:r>
-              <a:rPr lang="zh-TW" altLang="en-US" smtClean="0"/>
+              <a:rPr lang="zh-TW" altLang="en-US"/>
               <a:t>第五層</a:t>
             </a:r>
-            <a:endParaRPr lang="zh-TW" altLang="en-US"/>
           </a:p>
         </p:txBody>
       </p:sp>
@@ -1921,38 +1911,37 @@
           <a:p>
             <a:pPr lvl="0"/>
             <a:r>
-              <a:rPr lang="zh-TW" altLang="en-US" smtClean="0"/>
+              <a:rPr lang="zh-TW" altLang="en-US"/>
               <a:t>編輯母片文字樣式</a:t>
             </a:r>
           </a:p>
           <a:p>
             <a:pPr lvl="1"/>
             <a:r>
-              <a:rPr lang="zh-TW" altLang="en-US" smtClean="0"/>
+              <a:rPr lang="zh-TW" altLang="en-US"/>
               <a:t>第二層</a:t>
             </a:r>
           </a:p>
           <a:p>
             <a:pPr lvl="2"/>
             <a:r>
-              <a:rPr lang="zh-TW" altLang="en-US" smtClean="0"/>
+              <a:rPr lang="zh-TW" altLang="en-US"/>
               <a:t>第三層</a:t>
             </a:r>
           </a:p>
           <a:p>
             <a:pPr lvl="3"/>
             <a:r>
-              <a:rPr lang="zh-TW" altLang="en-US" smtClean="0"/>
+              <a:rPr lang="zh-TW" altLang="en-US"/>
               <a:t>第四層</a:t>
             </a:r>
           </a:p>
           <a:p>
             <a:pPr lvl="4"/>
             <a:r>
-              <a:rPr lang="zh-TW" altLang="en-US" smtClean="0"/>
+              <a:rPr lang="zh-TW" altLang="en-US"/>
               <a:t>第五層</a:t>
             </a:r>
-            <a:endParaRPr lang="zh-TW" altLang="en-US"/>
           </a:p>
         </p:txBody>
       </p:sp>
@@ -1973,7 +1962,7 @@
           <a:p>
             <a:fld id="{633CDB1E-0C9B-4D78-88B5-101D85F399D7}" type="datetimeFigureOut">
               <a:rPr lang="zh-TW" altLang="en-US" smtClean="0"/>
-              <a:t>2022/7/4</a:t>
+              <a:t>2022/7/6</a:t>
             </a:fld>
             <a:endParaRPr lang="zh-TW" altLang="en-US"/>
           </a:p>
@@ -2072,10 +2061,9 @@
           <a:lstStyle/>
           <a:p>
             <a:r>
-              <a:rPr lang="zh-TW" altLang="en-US" smtClean="0"/>
+              <a:rPr lang="zh-TW" altLang="en-US"/>
               <a:t>按一下以編輯母片標題樣式</a:t>
             </a:r>
-            <a:endParaRPr lang="zh-TW" altLang="en-US"/>
           </a:p>
         </p:txBody>
       </p:sp>
@@ -2138,7 +2126,7 @@
           <a:p>
             <a:pPr lvl="0"/>
             <a:r>
-              <a:rPr lang="zh-TW" altLang="en-US" smtClean="0"/>
+              <a:rPr lang="zh-TW" altLang="en-US"/>
               <a:t>編輯母片文字樣式</a:t>
             </a:r>
           </a:p>
@@ -2166,38 +2154,37 @@
           <a:p>
             <a:pPr lvl="0"/>
             <a:r>
-              <a:rPr lang="zh-TW" altLang="en-US" smtClean="0"/>
+              <a:rPr lang="zh-TW" altLang="en-US"/>
               <a:t>編輯母片文字樣式</a:t>
             </a:r>
           </a:p>
           <a:p>
             <a:pPr lvl="1"/>
             <a:r>
-              <a:rPr lang="zh-TW" altLang="en-US" smtClean="0"/>
+              <a:rPr lang="zh-TW" altLang="en-US"/>
               <a:t>第二層</a:t>
             </a:r>
           </a:p>
           <a:p>
             <a:pPr lvl="2"/>
             <a:r>
-              <a:rPr lang="zh-TW" altLang="en-US" smtClean="0"/>
+              <a:rPr lang="zh-TW" altLang="en-US"/>
               <a:t>第三層</a:t>
             </a:r>
           </a:p>
           <a:p>
             <a:pPr lvl="3"/>
             <a:r>
-              <a:rPr lang="zh-TW" altLang="en-US" smtClean="0"/>
+              <a:rPr lang="zh-TW" altLang="en-US"/>
               <a:t>第四層</a:t>
             </a:r>
           </a:p>
           <a:p>
             <a:pPr lvl="4"/>
             <a:r>
-              <a:rPr lang="zh-TW" altLang="en-US" smtClean="0"/>
+              <a:rPr lang="zh-TW" altLang="en-US"/>
               <a:t>第五層</a:t>
             </a:r>
-            <a:endParaRPr lang="zh-TW" altLang="en-US"/>
           </a:p>
         </p:txBody>
       </p:sp>
@@ -2260,7 +2247,7 @@
           <a:p>
             <a:pPr lvl="0"/>
             <a:r>
-              <a:rPr lang="zh-TW" altLang="en-US" smtClean="0"/>
+              <a:rPr lang="zh-TW" altLang="en-US"/>
               <a:t>編輯母片文字樣式</a:t>
             </a:r>
           </a:p>
@@ -2288,38 +2275,37 @@
           <a:p>
             <a:pPr lvl="0"/>
             <a:r>
-              <a:rPr lang="zh-TW" altLang="en-US" smtClean="0"/>
+              <a:rPr lang="zh-TW" altLang="en-US"/>
               <a:t>編輯母片文字樣式</a:t>
             </a:r>
           </a:p>
           <a:p>
             <a:pPr lvl="1"/>
             <a:r>
-              <a:rPr lang="zh-TW" altLang="en-US" smtClean="0"/>
+              <a:rPr lang="zh-TW" altLang="en-US"/>
               <a:t>第二層</a:t>
             </a:r>
           </a:p>
           <a:p>
             <a:pPr lvl="2"/>
             <a:r>
-              <a:rPr lang="zh-TW" altLang="en-US" smtClean="0"/>
+              <a:rPr lang="zh-TW" altLang="en-US"/>
               <a:t>第三層</a:t>
             </a:r>
           </a:p>
           <a:p>
             <a:pPr lvl="3"/>
             <a:r>
-              <a:rPr lang="zh-TW" altLang="en-US" smtClean="0"/>
+              <a:rPr lang="zh-TW" altLang="en-US"/>
               <a:t>第四層</a:t>
             </a:r>
           </a:p>
           <a:p>
             <a:pPr lvl="4"/>
             <a:r>
-              <a:rPr lang="zh-TW" altLang="en-US" smtClean="0"/>
+              <a:rPr lang="zh-TW" altLang="en-US"/>
               <a:t>第五層</a:t>
             </a:r>
-            <a:endParaRPr lang="zh-TW" altLang="en-US"/>
           </a:p>
         </p:txBody>
       </p:sp>
@@ -2340,7 +2326,7 @@
           <a:p>
             <a:fld id="{633CDB1E-0C9B-4D78-88B5-101D85F399D7}" type="datetimeFigureOut">
               <a:rPr lang="zh-TW" altLang="en-US" smtClean="0"/>
-              <a:t>2022/7/4</a:t>
+              <a:t>2022/7/6</a:t>
             </a:fld>
             <a:endParaRPr lang="zh-TW" altLang="en-US"/>
           </a:p>
@@ -2434,10 +2420,9 @@
           <a:lstStyle/>
           <a:p>
             <a:r>
-              <a:rPr lang="zh-TW" altLang="en-US" smtClean="0"/>
+              <a:rPr lang="zh-TW" altLang="en-US"/>
               <a:t>按一下以編輯母片標題樣式</a:t>
             </a:r>
-            <a:endParaRPr lang="zh-TW" altLang="en-US"/>
           </a:p>
         </p:txBody>
       </p:sp>
@@ -2458,7 +2443,7 @@
           <a:p>
             <a:fld id="{633CDB1E-0C9B-4D78-88B5-101D85F399D7}" type="datetimeFigureOut">
               <a:rPr lang="zh-TW" altLang="en-US" smtClean="0"/>
-              <a:t>2022/7/4</a:t>
+              <a:t>2022/7/6</a:t>
             </a:fld>
             <a:endParaRPr lang="zh-TW" altLang="en-US"/>
           </a:p>
@@ -2553,7 +2538,7 @@
           <a:p>
             <a:fld id="{633CDB1E-0C9B-4D78-88B5-101D85F399D7}" type="datetimeFigureOut">
               <a:rPr lang="zh-TW" altLang="en-US" smtClean="0"/>
-              <a:t>2022/7/4</a:t>
+              <a:t>2022/7/6</a:t>
             </a:fld>
             <a:endParaRPr lang="zh-TW" altLang="en-US"/>
           </a:p>
@@ -2656,10 +2641,9 @@
           </a:lstStyle>
           <a:p>
             <a:r>
-              <a:rPr lang="zh-TW" altLang="en-US" smtClean="0"/>
+              <a:rPr lang="zh-TW" altLang="en-US"/>
               <a:t>按一下以編輯母片標題樣式</a:t>
             </a:r>
-            <a:endParaRPr lang="zh-TW" altLang="en-US"/>
           </a:p>
         </p:txBody>
       </p:sp>
@@ -2713,38 +2697,37 @@
           <a:p>
             <a:pPr lvl="0"/>
             <a:r>
-              <a:rPr lang="zh-TW" altLang="en-US" smtClean="0"/>
+              <a:rPr lang="zh-TW" altLang="en-US"/>
               <a:t>編輯母片文字樣式</a:t>
             </a:r>
           </a:p>
           <a:p>
             <a:pPr lvl="1"/>
             <a:r>
-              <a:rPr lang="zh-TW" altLang="en-US" smtClean="0"/>
+              <a:rPr lang="zh-TW" altLang="en-US"/>
               <a:t>第二層</a:t>
             </a:r>
           </a:p>
           <a:p>
             <a:pPr lvl="2"/>
             <a:r>
-              <a:rPr lang="zh-TW" altLang="en-US" smtClean="0"/>
+              <a:rPr lang="zh-TW" altLang="en-US"/>
               <a:t>第三層</a:t>
             </a:r>
           </a:p>
           <a:p>
             <a:pPr lvl="3"/>
             <a:r>
-              <a:rPr lang="zh-TW" altLang="en-US" smtClean="0"/>
+              <a:rPr lang="zh-TW" altLang="en-US"/>
               <a:t>第四層</a:t>
             </a:r>
           </a:p>
           <a:p>
             <a:pPr lvl="4"/>
             <a:r>
-              <a:rPr lang="zh-TW" altLang="en-US" smtClean="0"/>
+              <a:rPr lang="zh-TW" altLang="en-US"/>
               <a:t>第五層</a:t>
             </a:r>
-            <a:endParaRPr lang="zh-TW" altLang="en-US"/>
           </a:p>
         </p:txBody>
       </p:sp>
@@ -2807,7 +2790,7 @@
           <a:p>
             <a:pPr lvl="0"/>
             <a:r>
-              <a:rPr lang="zh-TW" altLang="en-US" smtClean="0"/>
+              <a:rPr lang="zh-TW" altLang="en-US"/>
               <a:t>編輯母片文字樣式</a:t>
             </a:r>
           </a:p>
@@ -2830,7 +2813,7 @@
           <a:p>
             <a:fld id="{633CDB1E-0C9B-4D78-88B5-101D85F399D7}" type="datetimeFigureOut">
               <a:rPr lang="zh-TW" altLang="en-US" smtClean="0"/>
-              <a:t>2022/7/4</a:t>
+              <a:t>2022/7/6</a:t>
             </a:fld>
             <a:endParaRPr lang="zh-TW" altLang="en-US"/>
           </a:p>
@@ -2933,10 +2916,9 @@
           </a:lstStyle>
           <a:p>
             <a:r>
-              <a:rPr lang="zh-TW" altLang="en-US" smtClean="0"/>
+              <a:rPr lang="zh-TW" altLang="en-US"/>
               <a:t>按一下以編輯母片標題樣式</a:t>
             </a:r>
-            <a:endParaRPr lang="zh-TW" altLang="en-US"/>
           </a:p>
         </p:txBody>
       </p:sp>
@@ -3060,7 +3042,7 @@
           <a:p>
             <a:pPr lvl="0"/>
             <a:r>
-              <a:rPr lang="zh-TW" altLang="en-US" smtClean="0"/>
+              <a:rPr lang="zh-TW" altLang="en-US"/>
               <a:t>編輯母片文字樣式</a:t>
             </a:r>
           </a:p>
@@ -3083,7 +3065,7 @@
           <a:p>
             <a:fld id="{633CDB1E-0C9B-4D78-88B5-101D85F399D7}" type="datetimeFigureOut">
               <a:rPr lang="zh-TW" altLang="en-US" smtClean="0"/>
-              <a:t>2022/7/4</a:t>
+              <a:t>2022/7/6</a:t>
             </a:fld>
             <a:endParaRPr lang="zh-TW" altLang="en-US"/>
           </a:p>
@@ -3192,10 +3174,9 @@
           <a:lstStyle/>
           <a:p>
             <a:r>
-              <a:rPr lang="zh-TW" altLang="en-US" smtClean="0"/>
+              <a:rPr lang="zh-TW" altLang="en-US"/>
               <a:t>按一下以編輯母片標題樣式</a:t>
             </a:r>
-            <a:endParaRPr lang="zh-TW" altLang="en-US"/>
           </a:p>
         </p:txBody>
       </p:sp>
@@ -3226,38 +3207,37 @@
           <a:p>
             <a:pPr lvl="0"/>
             <a:r>
-              <a:rPr lang="zh-TW" altLang="en-US" smtClean="0"/>
+              <a:rPr lang="zh-TW" altLang="en-US"/>
               <a:t>編輯母片文字樣式</a:t>
             </a:r>
           </a:p>
           <a:p>
             <a:pPr lvl="1"/>
             <a:r>
-              <a:rPr lang="zh-TW" altLang="en-US" smtClean="0"/>
+              <a:rPr lang="zh-TW" altLang="en-US"/>
               <a:t>第二層</a:t>
             </a:r>
           </a:p>
           <a:p>
             <a:pPr lvl="2"/>
             <a:r>
-              <a:rPr lang="zh-TW" altLang="en-US" smtClean="0"/>
+              <a:rPr lang="zh-TW" altLang="en-US"/>
               <a:t>第三層</a:t>
             </a:r>
           </a:p>
           <a:p>
             <a:pPr lvl="3"/>
             <a:r>
-              <a:rPr lang="zh-TW" altLang="en-US" smtClean="0"/>
+              <a:rPr lang="zh-TW" altLang="en-US"/>
               <a:t>第四層</a:t>
             </a:r>
           </a:p>
           <a:p>
             <a:pPr lvl="4"/>
             <a:r>
-              <a:rPr lang="zh-TW" altLang="en-US" smtClean="0"/>
+              <a:rPr lang="zh-TW" altLang="en-US"/>
               <a:t>第五層</a:t>
             </a:r>
-            <a:endParaRPr lang="zh-TW" altLang="en-US"/>
           </a:p>
         </p:txBody>
       </p:sp>
@@ -3296,7 +3276,7 @@
           <a:p>
             <a:fld id="{633CDB1E-0C9B-4D78-88B5-101D85F399D7}" type="datetimeFigureOut">
               <a:rPr lang="zh-TW" altLang="en-US" smtClean="0"/>
-              <a:t>2022/7/4</a:t>
+              <a:t>2022/7/6</a:t>
             </a:fld>
             <a:endParaRPr lang="zh-TW" altLang="en-US"/>
           </a:p>
@@ -3780,10 +3760,9 @@
               <a:t>方宣翔 </a:t>
             </a:r>
             <a:r>
-              <a:rPr lang="en-US" altLang="zh-TW" dirty="0" smtClean="0"/>
+              <a:rPr lang="en-US" altLang="zh-TW" dirty="0"/>
               <a:t>Q36104080</a:t>
             </a:r>
-            <a:endParaRPr lang="en-US" altLang="zh-TW" dirty="0"/>
           </a:p>
         </p:txBody>
       </p:sp>
@@ -3822,6 +3801,158 @@
           <p:cNvPr id="2" name="標題 1">
             <a:extLst>
               <a:ext uri="{FF2B5EF4-FFF2-40B4-BE49-F238E27FC236}">
+                <a16:creationId xmlns:a16="http://schemas.microsoft.com/office/drawing/2014/main" id="{3821326A-2BC0-47B5-9AF7-32686279A2D8}"/>
+              </a:ext>
+            </a:extLst>
+          </p:cNvPr>
+          <p:cNvSpPr>
+            <a:spLocks noGrp="1"/>
+          </p:cNvSpPr>
+          <p:nvPr>
+            <p:ph type="title"/>
+          </p:nvPr>
+        </p:nvSpPr>
+        <p:spPr/>
+        <p:txBody>
+          <a:bodyPr/>
+          <a:lstStyle/>
+          <a:p>
+            <a:r>
+              <a:rPr lang="en-US" altLang="zh-TW" dirty="0"/>
+              <a:t>Comparison</a:t>
+            </a:r>
+            <a:endParaRPr lang="zh-TW" altLang="en-US" dirty="0"/>
+          </a:p>
+        </p:txBody>
+      </p:sp>
+      <p:sp>
+        <p:nvSpPr>
+          <p:cNvPr id="4" name="文字方塊 3">
+            <a:extLst>
+              <a:ext uri="{FF2B5EF4-FFF2-40B4-BE49-F238E27FC236}">
+                <a16:creationId xmlns:a16="http://schemas.microsoft.com/office/drawing/2014/main" id="{D4F825CB-BD68-4DB9-A33C-D0EAD9D1A3C1}"/>
+              </a:ext>
+            </a:extLst>
+          </p:cNvPr>
+          <p:cNvSpPr txBox="1"/>
+          <p:nvPr/>
+        </p:nvSpPr>
+        <p:spPr>
+          <a:xfrm>
+            <a:off x="908211" y="1853192"/>
+            <a:ext cx="6231498" cy="677108"/>
+          </a:xfrm>
+          <a:prstGeom prst="rect">
+            <a:avLst/>
+          </a:prstGeom>
+          <a:noFill/>
+        </p:spPr>
+        <p:txBody>
+          <a:bodyPr wrap="square" rtlCol="0">
+            <a:spAutoFit/>
+          </a:bodyPr>
+          <a:lstStyle/>
+          <a:p>
+            <a:pPr marL="342900" indent="-342900">
+              <a:buFont typeface="Arial" panose="020B0604020202020204" pitchFamily="34" charset="0"/>
+              <a:buChar char="•"/>
+            </a:pPr>
+            <a:endParaRPr lang="en-US" altLang="zh-TW" sz="2000" dirty="0"/>
+          </a:p>
+          <a:p>
+            <a:r>
+              <a:rPr lang="en-US" altLang="zh-TW" b="1" dirty="0">
+                <a:sym typeface="Wingdings" panose="05000000000000000000" pitchFamily="2" charset="2"/>
+              </a:rPr>
+              <a:t>    </a:t>
+            </a:r>
+            <a:endParaRPr lang="zh-TW" altLang="en-US" dirty="0"/>
+          </a:p>
+        </p:txBody>
+      </p:sp>
+      <p:pic>
+        <p:nvPicPr>
+          <p:cNvPr id="3" name="圖片 2"/>
+          <p:cNvPicPr>
+            <a:picLocks noChangeAspect="1"/>
+          </p:cNvPicPr>
+          <p:nvPr/>
+        </p:nvPicPr>
+        <p:blipFill>
+          <a:blip r:embed="rId2"/>
+          <a:stretch>
+            <a:fillRect/>
+          </a:stretch>
+        </p:blipFill>
+        <p:spPr>
+          <a:xfrm>
+            <a:off x="1021996" y="1690688"/>
+            <a:ext cx="5470500" cy="4102000"/>
+          </a:xfrm>
+          <a:prstGeom prst="rect">
+            <a:avLst/>
+          </a:prstGeom>
+        </p:spPr>
+      </p:pic>
+      <p:pic>
+        <p:nvPicPr>
+          <p:cNvPr id="6" name="圖片 5"/>
+          <p:cNvPicPr>
+            <a:picLocks noChangeAspect="1"/>
+          </p:cNvPicPr>
+          <p:nvPr/>
+        </p:nvPicPr>
+        <p:blipFill>
+          <a:blip r:embed="rId3"/>
+          <a:stretch>
+            <a:fillRect/>
+          </a:stretch>
+        </p:blipFill>
+        <p:spPr>
+          <a:xfrm>
+            <a:off x="6367164" y="1690688"/>
+            <a:ext cx="5616752" cy="4211665"/>
+          </a:xfrm>
+          <a:prstGeom prst="rect">
+            <a:avLst/>
+          </a:prstGeom>
+        </p:spPr>
+      </p:pic>
+    </p:spTree>
+    <p:extLst>
+      <p:ext uri="{BB962C8B-B14F-4D97-AF65-F5344CB8AC3E}">
+        <p14:creationId xmlns:p14="http://schemas.microsoft.com/office/powerpoint/2010/main" val="3643879747"/>
+      </p:ext>
+    </p:extLst>
+  </p:cSld>
+  <p:clrMapOvr>
+    <a:masterClrMapping/>
+  </p:clrMapOvr>
+</p:sld>
+</file>
+
+<file path=ppt/slides/slide11.xml><?xml version="1.0" encoding="utf-8"?>
+<p:sld xmlns:a="http://schemas.openxmlformats.org/drawingml/2006/main" xmlns:r="http://schemas.openxmlformats.org/officeDocument/2006/relationships" xmlns:p="http://schemas.openxmlformats.org/presentationml/2006/main">
+  <p:cSld>
+    <p:spTree>
+      <p:nvGrpSpPr>
+        <p:cNvPr id="1" name=""/>
+        <p:cNvGrpSpPr/>
+        <p:nvPr/>
+      </p:nvGrpSpPr>
+      <p:grpSpPr>
+        <a:xfrm>
+          <a:off x="0" y="0"/>
+          <a:ext cx="0" cy="0"/>
+          <a:chOff x="0" y="0"/>
+          <a:chExt cx="0" cy="0"/>
+        </a:xfrm>
+      </p:grpSpPr>
+      <p:sp>
+        <p:nvSpPr>
+          <p:cNvPr id="2" name="標題 1">
+            <a:extLst>
+              <a:ext uri="{FF2B5EF4-FFF2-40B4-BE49-F238E27FC236}">
                 <a16:creationId xmlns:a16="http://schemas.microsoft.com/office/drawing/2014/main" id="{E5BF2F7D-49E6-447F-B71E-D25B9F15E811}"/>
               </a:ext>
             </a:extLst>
@@ -3875,12 +4006,8 @@
           <a:lstStyle/>
           <a:p>
             <a:r>
-              <a:rPr lang="en-US" altLang="zh-TW" sz="2400" dirty="0" smtClean="0"/>
-              <a:t>LMS </a:t>
-            </a:r>
-            <a:r>
               <a:rPr lang="en-US" altLang="zh-TW" sz="2400" dirty="0"/>
-              <a:t>converges </a:t>
+              <a:t>LMS converges </a:t>
             </a:r>
             <a:r>
               <a:rPr lang="en-US" altLang="zh-TW" sz="2400" dirty="0">
@@ -3904,11 +4031,7 @@
             </a:r>
             <a:r>
               <a:rPr lang="en-US" altLang="zh-TW" sz="2400" dirty="0"/>
-              <a:t> step size case</a:t>
-            </a:r>
-            <a:r>
-              <a:rPr lang="en-US" altLang="zh-TW" sz="2400" dirty="0" smtClean="0"/>
-              <a:t>.</a:t>
+              <a:t> step size case.</a:t>
             </a:r>
           </a:p>
           <a:p>
@@ -3962,7 +4085,7 @@
 </p:sld>
 </file>
 
-<file path=ppt/slides/slide11.xml><?xml version="1.0" encoding="utf-8"?>
+<file path=ppt/slides/slide12.xml><?xml version="1.0" encoding="utf-8"?>
 <p:sld xmlns:a="http://schemas.openxmlformats.org/drawingml/2006/main" xmlns:r="http://schemas.openxmlformats.org/officeDocument/2006/relationships" xmlns:p="http://schemas.openxmlformats.org/presentationml/2006/main">
   <p:cSld>
     <p:spTree>
@@ -4139,7 +4262,7 @@
 </p:sld>
 </file>
 
-<file path=ppt/slides/slide12.xml><?xml version="1.0" encoding="utf-8"?>
+<file path=ppt/slides/slide13.xml><?xml version="1.0" encoding="utf-8"?>
 <p:sld xmlns:a="http://schemas.openxmlformats.org/drawingml/2006/main" xmlns:r="http://schemas.openxmlformats.org/officeDocument/2006/relationships" xmlns:p="http://schemas.openxmlformats.org/presentationml/2006/main">
   <p:cSld>
     <p:spTree>
@@ -4178,7 +4301,7 @@
           <a:lstStyle/>
           <a:p>
             <a:r>
-              <a:rPr lang="en-US" altLang="zh-TW" dirty="0" smtClean="0"/>
+              <a:rPr lang="en-US" altLang="zh-TW" dirty="0"/>
               <a:t>Conclusion</a:t>
             </a:r>
             <a:endParaRPr lang="zh-TW" altLang="en-US" dirty="0"/>
@@ -4221,7 +4344,7 @@
                   </a:lnSpc>
                 </a:pPr>
                 <a:r>
-                  <a:rPr lang="en-US" altLang="zh-TW" sz="2000" dirty="0" smtClean="0">
+                  <a:rPr lang="en-US" altLang="zh-TW" sz="2000" dirty="0">
                     <a:solidFill>
                       <a:schemeClr val="tx1"/>
                     </a:solidFill>
@@ -4229,7 +4352,7 @@
                   <a:t>Wiener solution is the </a:t>
                 </a:r>
                 <a:r>
-                  <a:rPr lang="en-US" altLang="zh-TW" sz="2000" dirty="0" smtClean="0">
+                  <a:rPr lang="en-US" altLang="zh-TW" sz="2000" dirty="0">
                     <a:solidFill>
                       <a:srgbClr val="FF0000"/>
                     </a:solidFill>
@@ -4237,7 +4360,7 @@
                   <a:t>optimum solution </a:t>
                 </a:r>
                 <a:r>
-                  <a:rPr lang="en-US" altLang="zh-TW" sz="2000" dirty="0" smtClean="0">
+                  <a:rPr lang="en-US" altLang="zh-TW" sz="2000" dirty="0">
                     <a:solidFill>
                       <a:schemeClr val="tx1"/>
                     </a:solidFill>
@@ -4251,7 +4374,7 @@
                   <a:t>b</a:t>
                 </a:r>
                 <a:r>
-                  <a:rPr lang="en-US" altLang="zh-TW" sz="2000" dirty="0" smtClean="0">
+                  <a:rPr lang="en-US" altLang="zh-TW" sz="2000" dirty="0">
                     <a:solidFill>
                       <a:schemeClr val="tx1"/>
                     </a:solidFill>
@@ -4260,7 +4383,7 @@
                   <a:t>ut Wiener solution is </a:t>
                 </a:r>
                 <a:r>
-                  <a:rPr lang="en-US" altLang="zh-TW" sz="2000" dirty="0" smtClean="0"/>
+                  <a:rPr lang="en-US" altLang="zh-TW" sz="2000" dirty="0"/>
                   <a:t>hard to obtain in practical problem.</a:t>
                 </a:r>
               </a:p>
@@ -4279,7 +4402,7 @@
                   </a:lnSpc>
                 </a:pPr>
                 <a:r>
-                  <a:rPr lang="en-US" altLang="zh-TW" sz="2000" dirty="0" smtClean="0"/>
+                  <a:rPr lang="en-US" altLang="zh-TW" sz="2000" dirty="0"/>
                   <a:t>LMS algorithm didn’t need to know </a:t>
                 </a:r>
                 <a14:m>
@@ -4296,7 +4419,7 @@
                   </m:oMath>
                 </a14:m>
                 <a:r>
-                  <a:rPr lang="en-US" altLang="zh-TW" sz="2000" dirty="0" smtClean="0"/>
+                  <a:rPr lang="en-US" altLang="zh-TW" sz="2000" dirty="0"/>
                   <a:t> and </a:t>
                 </a:r>
                 <a14:m>
@@ -4313,7 +4436,7 @@
                   </m:oMath>
                 </a14:m>
                 <a:r>
-                  <a:rPr lang="en-US" altLang="zh-TW" sz="2000" dirty="0" smtClean="0"/>
+                  <a:rPr lang="en-US" altLang="zh-TW" sz="2000" dirty="0"/>
                   <a:t>, and it didn’t have to calculate the inverse matrix </a:t>
                 </a:r>
                 <a14:m>
@@ -4364,7 +4487,7 @@
                   </m:oMath>
                 </a14:m>
                 <a:r>
-                  <a:rPr lang="en-US" altLang="zh-TW" sz="2000" dirty="0" smtClean="0"/>
+                  <a:rPr lang="en-US" altLang="zh-TW" sz="2000" dirty="0"/>
                   <a:t>.</a:t>
                 </a:r>
               </a:p>
@@ -4383,11 +4506,11 @@
                   </a:lnSpc>
                 </a:pPr>
                 <a:r>
-                  <a:rPr lang="en-US" altLang="zh-TW" sz="2000" dirty="0" smtClean="0"/>
+                  <a:rPr lang="en-US" altLang="zh-TW" sz="2000" dirty="0"/>
                   <a:t>Reducing step size of LMS has the effect of slowing down the rate of convergence, but converges </a:t>
                 </a:r>
                 <a:r>
-                  <a:rPr lang="en-US" altLang="zh-TW" sz="2000" dirty="0" smtClean="0">
+                  <a:rPr lang="en-US" altLang="zh-TW" sz="2000" dirty="0">
                     <a:solidFill>
                       <a:srgbClr val="FF0000"/>
                     </a:solidFill>
@@ -4395,7 +4518,7 @@
                   <a:t>closer</a:t>
                 </a:r>
                 <a:r>
-                  <a:rPr lang="en-US" altLang="zh-TW" sz="2000" dirty="0" smtClean="0"/>
+                  <a:rPr lang="en-US" altLang="zh-TW" sz="2000" dirty="0"/>
                   <a:t> to Wiener solution.</a:t>
                 </a:r>
               </a:p>
@@ -4525,13 +4648,6 @@
   <p:clrMapOvr>
     <a:masterClrMapping/>
   </p:clrMapOvr>
-  <p:timing>
-    <p:tnLst>
-      <p:par>
-        <p:cTn id="1" dur="indefinite" restart="never" nodeType="tmRoot"/>
-      </p:par>
-    </p:tnLst>
-  </p:timing>
 </p:sld>
 </file>
 
@@ -4599,7 +4715,7 @@
         </p:nvSpPr>
         <p:spPr>
           <a:xfrm>
-            <a:off x="872720" y="3054475"/>
+            <a:off x="838200" y="3348390"/>
             <a:ext cx="11040123" cy="3329125"/>
           </a:xfrm>
         </p:spPr>
@@ -4610,7 +4726,7 @@
           <a:lstStyle/>
           <a:p>
             <a:r>
-              <a:rPr lang="en-US" altLang="zh-TW" sz="2400" dirty="0"/>
+              <a:rPr lang="en-US" altLang="zh-TW" sz="2200" dirty="0"/>
               <a:t>Baseband Channel: </a:t>
             </a:r>
           </a:p>
@@ -4620,17 +4736,17 @@
               <a:buAutoNum type="alphaLcPeriod"/>
             </a:pPr>
             <a:r>
-              <a:rPr lang="en-US" altLang="zh-TW" sz="2000" dirty="0"/>
+              <a:rPr lang="en-US" altLang="zh-TW" sz="2200" dirty="0"/>
               <a:t>Slow fading </a:t>
             </a:r>
             <a:r>
-              <a:rPr lang="en-US" altLang="zh-TW" sz="2000" dirty="0">
+              <a:rPr lang="en-US" altLang="zh-TW" sz="2200" dirty="0">
                 <a:sym typeface="Wingdings" panose="05000000000000000000" pitchFamily="2" charset="2"/>
               </a:rPr>
               <a:t> </a:t>
             </a:r>
             <a:r>
-              <a:rPr lang="en-US" altLang="zh-TW" sz="2000" dirty="0"/>
+              <a:rPr lang="en-US" altLang="zh-TW" sz="2200" dirty="0"/>
               <a:t>Time invariant</a:t>
             </a:r>
           </a:p>
@@ -4640,7 +4756,7 @@
               <a:buAutoNum type="alphaLcPeriod"/>
             </a:pPr>
             <a:r>
-              <a:rPr lang="en-US" altLang="zh-TW" sz="2000" dirty="0"/>
+              <a:rPr lang="en-US" altLang="zh-TW" sz="2200" dirty="0"/>
               <a:t>Frequency-Selective fading (Multipath fading)</a:t>
             </a:r>
           </a:p>
@@ -4649,11 +4765,11 @@
               <a:buFont typeface="+mj-lt"/>
               <a:buAutoNum type="alphaLcPeriod"/>
             </a:pPr>
-            <a:endParaRPr lang="en-US" altLang="zh-TW" dirty="0"/>
+            <a:endParaRPr lang="en-US" altLang="zh-TW" sz="2200" dirty="0"/>
           </a:p>
           <a:p>
             <a:r>
-              <a:rPr lang="en-US" altLang="zh-TW" sz="2400" dirty="0"/>
+              <a:rPr lang="en-US" altLang="zh-TW" sz="2200" dirty="0"/>
               <a:t>Equalizer Types:</a:t>
             </a:r>
           </a:p>
@@ -4663,7 +4779,7 @@
               <a:buAutoNum type="alphaLcPeriod"/>
             </a:pPr>
             <a:r>
-              <a:rPr lang="en-US" altLang="zh-TW" sz="2000" dirty="0"/>
+              <a:rPr lang="en-US" altLang="zh-TW" sz="2200" dirty="0"/>
               <a:t>Wiener filter</a:t>
             </a:r>
           </a:p>
@@ -4673,45 +4789,25 @@
               <a:buAutoNum type="alphaLcPeriod"/>
             </a:pPr>
             <a:r>
-              <a:rPr lang="en-US" altLang="zh-TW" sz="2000" dirty="0"/>
+              <a:rPr lang="en-US" altLang="zh-TW" sz="2200" dirty="0"/>
+              <a:t>Zero forcing</a:t>
+            </a:r>
+          </a:p>
+          <a:p>
+            <a:pPr marL="914400" lvl="1" indent="-457200">
+              <a:buFont typeface="+mj-lt"/>
+              <a:buAutoNum type="alphaLcPeriod"/>
+            </a:pPr>
+            <a:r>
+              <a:rPr lang="en-US" altLang="zh-TW" sz="2200" dirty="0"/>
               <a:t>LMS</a:t>
             </a:r>
-            <a:endParaRPr lang="zh-TW" altLang="en-US" sz="2000" dirty="0"/>
+            <a:endParaRPr lang="zh-TW" altLang="en-US" sz="2200" dirty="0"/>
           </a:p>
         </p:txBody>
       </p:sp>
-      <p:pic>
-        <p:nvPicPr>
-          <p:cNvPr id="7" name="圖片 6">
-            <a:extLst>
-              <a:ext uri="{FF2B5EF4-FFF2-40B4-BE49-F238E27FC236}">
-                <a16:creationId xmlns:a16="http://schemas.microsoft.com/office/drawing/2014/main" id="{3BD52E03-C1D4-4381-9C96-1C762B98A940}"/>
-              </a:ext>
-            </a:extLst>
-          </p:cNvPr>
-          <p:cNvPicPr>
-            <a:picLocks noChangeAspect="1"/>
-          </p:cNvPicPr>
-          <p:nvPr/>
-        </p:nvPicPr>
-        <p:blipFill>
-          <a:blip r:embed="rId3"/>
-          <a:stretch>
-            <a:fillRect/>
-          </a:stretch>
-        </p:blipFill>
-        <p:spPr>
-          <a:xfrm>
-            <a:off x="1181029" y="1930400"/>
-            <a:ext cx="8266892" cy="1572904"/>
-          </a:xfrm>
-          <a:prstGeom prst="rect">
-            <a:avLst/>
-          </a:prstGeom>
-        </p:spPr>
-      </p:pic>
-      <mc:AlternateContent xmlns:mc="http://schemas.openxmlformats.org/markup-compatibility/2006" xmlns:a14="http://schemas.microsoft.com/office/drawing/2010/main">
-        <mc:Choice Requires="a14">
+      <mc:AlternateContent xmlns:mc="http://schemas.openxmlformats.org/markup-compatibility/2006">
+        <mc:Choice xmlns:a14="http://schemas.microsoft.com/office/drawing/2010/main" Requires="a14">
           <p:sp>
             <p:nvSpPr>
               <p:cNvPr id="5" name="文字方塊 4">
@@ -4726,7 +4822,7 @@
             </p:nvSpPr>
             <p:spPr>
               <a:xfrm>
-                <a:off x="4498137" y="5090938"/>
+                <a:off x="4922680" y="4951236"/>
                 <a:ext cx="3789287" cy="1292662"/>
               </a:xfrm>
               <a:prstGeom prst="rect">
@@ -4977,7 +5073,7 @@
             </p:txBody>
           </p:sp>
         </mc:Choice>
-        <mc:Fallback xmlns="">
+        <mc:Fallback>
           <p:sp>
             <p:nvSpPr>
               <p:cNvPr id="5" name="文字方塊 4">
@@ -4994,16 +5090,16 @@
             </p:nvSpPr>
             <p:spPr>
               <a:xfrm>
-                <a:off x="4498137" y="5090938"/>
+                <a:off x="4922680" y="4951236"/>
                 <a:ext cx="3789287" cy="1292662"/>
               </a:xfrm>
               <a:prstGeom prst="rect">
                 <a:avLst/>
               </a:prstGeom>
               <a:blipFill>
-                <a:blip r:embed="rId4"/>
+                <a:blip r:embed="rId3"/>
                 <a:stretch>
-                  <a:fillRect l="-321" b="-5607"/>
+                  <a:fillRect l="-321" b="-6075"/>
                 </a:stretch>
               </a:blipFill>
               <a:ln>
@@ -5027,44 +5123,36 @@
           </p:sp>
         </mc:Fallback>
       </mc:AlternateContent>
-      <p:sp>
-        <p:nvSpPr>
-          <p:cNvPr id="2" name="文字方塊 1">
+      <p:pic>
+        <p:nvPicPr>
+          <p:cNvPr id="8" name="圖片 7">
             <a:extLst>
               <a:ext uri="{FF2B5EF4-FFF2-40B4-BE49-F238E27FC236}">
-                <a16:creationId xmlns:a16="http://schemas.microsoft.com/office/drawing/2014/main" id="{B96DC537-0E5A-FF6B-AB0F-F825C68CBCD5}"/>
+                <a16:creationId xmlns:a16="http://schemas.microsoft.com/office/drawing/2014/main" id="{397A9089-1C86-00D2-1CE4-8D13695D8FED}"/>
               </a:ext>
             </a:extLst>
           </p:cNvPr>
-          <p:cNvSpPr txBox="1"/>
+          <p:cNvPicPr>
+            <a:picLocks noChangeAspect="1"/>
+          </p:cNvPicPr>
           <p:nvPr/>
-        </p:nvSpPr>
+        </p:nvPicPr>
+        <p:blipFill>
+          <a:blip r:embed="rId4"/>
+          <a:stretch>
+            <a:fillRect/>
+          </a:stretch>
+        </p:blipFill>
         <p:spPr>
           <a:xfrm>
-            <a:off x="2921789" y="2055521"/>
-            <a:ext cx="733646" cy="338554"/>
+            <a:off x="1400154" y="1331690"/>
+            <a:ext cx="7045051" cy="2375698"/>
           </a:xfrm>
           <a:prstGeom prst="rect">
             <a:avLst/>
           </a:prstGeom>
-          <a:solidFill>
-            <a:schemeClr val="bg1"/>
-          </a:solidFill>
         </p:spPr>
-        <p:txBody>
-          <a:bodyPr wrap="square" rtlCol="0">
-            <a:spAutoFit/>
-          </a:bodyPr>
-          <a:lstStyle/>
-          <a:p>
-            <a:r>
-              <a:rPr lang="en-US" altLang="zh-TW" sz="1600" dirty="0"/>
-              <a:t>BPSK</a:t>
-            </a:r>
-            <a:endParaRPr lang="zh-TW" altLang="en-US" dirty="0"/>
-          </a:p>
-        </p:txBody>
-      </p:sp>
+      </p:pic>
     </p:spTree>
     <p:extLst>
       <p:ext uri="{BB962C8B-B14F-4D97-AF65-F5344CB8AC3E}">
@@ -5124,8 +5212,8 @@
           </a:p>
         </p:txBody>
       </p:sp>
-      <mc:AlternateContent xmlns:mc="http://schemas.openxmlformats.org/markup-compatibility/2006" xmlns:a14="http://schemas.microsoft.com/office/drawing/2010/main">
-        <mc:Choice Requires="a14">
+      <mc:AlternateContent xmlns:mc="http://schemas.openxmlformats.org/markup-compatibility/2006">
+        <mc:Choice xmlns:a14="http://schemas.microsoft.com/office/drawing/2010/main" Requires="a14">
           <p:sp>
             <p:nvSpPr>
               <p:cNvPr id="3" name="內容版面配置區 2">
@@ -5164,13 +5252,16 @@
                     </m:oMathParaPr>
                     <m:oMath xmlns:m="http://schemas.openxmlformats.org/officeDocument/2006/math">
                       <m:r>
-                        <a:rPr lang="en-US" altLang="zh-TW" sz="2000" i="1" smtClean="0">
+                        <m:rPr>
+                          <m:sty m:val="p"/>
+                        </m:rPr>
+                        <a:rPr lang="en-US" altLang="zh-TW" sz="2000" i="0" smtClean="0">
                           <a:solidFill>
                             <a:schemeClr val="tx1"/>
                           </a:solidFill>
                           <a:latin typeface="Cambria Math" panose="02040503050406030204" pitchFamily="18" charset="0"/>
                         </a:rPr>
-                        <m:t>𝑀𝑆𝐸</m:t>
+                        <m:t>MSE</m:t>
                       </m:r>
                       <m:r>
                         <a:rPr lang="en-US" altLang="zh-TW" sz="2000" i="1" smtClean="0">
@@ -5379,13 +5470,16 @@
                 <a14:m>
                   <m:oMath xmlns:m="http://schemas.openxmlformats.org/officeDocument/2006/math">
                     <m:r>
-                      <a:rPr lang="en-US" altLang="zh-TW" sz="2000" i="1">
+                      <m:rPr>
+                        <m:sty m:val="p"/>
+                      </m:rPr>
+                      <a:rPr lang="en-US" altLang="zh-TW" sz="2000" i="0">
                         <a:solidFill>
                           <a:schemeClr val="tx1"/>
                         </a:solidFill>
                         <a:latin typeface="Cambria Math" panose="02040503050406030204" pitchFamily="18" charset="0"/>
                       </a:rPr>
-                      <m:t>𝑀𝑆𝐸</m:t>
+                      <m:t>MSE</m:t>
                     </m:r>
                   </m:oMath>
                 </a14:m>
@@ -6195,7 +6289,7 @@
                         <m:ctrlPr>
                           <a:rPr lang="en-US" altLang="zh-TW" sz="2000" b="1" i="1" smtClean="0">
                             <a:solidFill>
-                              <a:schemeClr val="tx1"/>
+                              <a:srgbClr val="FF0000"/>
                             </a:solidFill>
                             <a:latin typeface="Cambria Math" panose="02040503050406030204" pitchFamily="18" charset="0"/>
                           </a:rPr>
@@ -6205,7 +6299,7 @@
                         <m:r>
                           <a:rPr lang="en-US" altLang="zh-TW" sz="2000" b="1" i="1" smtClean="0">
                             <a:solidFill>
-                              <a:schemeClr val="tx1"/>
+                              <a:srgbClr val="FF0000"/>
                             </a:solidFill>
                             <a:latin typeface="Cambria Math" panose="02040503050406030204" pitchFamily="18" charset="0"/>
                           </a:rPr>
@@ -6216,7 +6310,7 @@
                         <m:r>
                           <a:rPr lang="en-US" altLang="zh-TW" sz="2000" b="1" i="1" smtClean="0">
                             <a:solidFill>
-                              <a:schemeClr val="tx1"/>
+                              <a:srgbClr val="FF0000"/>
                             </a:solidFill>
                             <a:latin typeface="Cambria Math" panose="02040503050406030204" pitchFamily="18" charset="0"/>
                           </a:rPr>
@@ -6227,7 +6321,7 @@
                     <m:r>
                       <a:rPr lang="en-US" altLang="zh-TW" sz="2000" b="0" i="1" smtClean="0">
                         <a:solidFill>
-                          <a:schemeClr val="tx1"/>
+                          <a:srgbClr val="FF0000"/>
                         </a:solidFill>
                         <a:latin typeface="Cambria Math" panose="02040503050406030204" pitchFamily="18" charset="0"/>
                       </a:rPr>
@@ -6238,7 +6332,7 @@
                         <m:ctrlPr>
                           <a:rPr lang="en-US" altLang="zh-TW" sz="2000" b="1" i="1" smtClean="0">
                             <a:solidFill>
-                              <a:schemeClr val="tx1"/>
+                              <a:srgbClr val="FF0000"/>
                             </a:solidFill>
                             <a:latin typeface="Cambria Math" panose="02040503050406030204" pitchFamily="18" charset="0"/>
                           </a:rPr>
@@ -6248,7 +6342,7 @@
                         <m:r>
                           <a:rPr lang="en-US" altLang="zh-TW" sz="2000" b="1" i="1" smtClean="0">
                             <a:solidFill>
-                              <a:schemeClr val="tx1"/>
+                              <a:srgbClr val="FF0000"/>
                             </a:solidFill>
                             <a:latin typeface="Cambria Math" panose="02040503050406030204" pitchFamily="18" charset="0"/>
                           </a:rPr>
@@ -6259,7 +6353,7 @@
                         <m:r>
                           <a:rPr lang="en-US" altLang="zh-TW" sz="2000" b="1" i="1" smtClean="0">
                             <a:solidFill>
-                              <a:schemeClr val="tx1"/>
+                              <a:srgbClr val="FF0000"/>
                             </a:solidFill>
                             <a:latin typeface="Cambria Math" panose="02040503050406030204" pitchFamily="18" charset="0"/>
                           </a:rPr>
@@ -6268,7 +6362,7 @@
                         <m:r>
                           <a:rPr lang="en-US" altLang="zh-TW" sz="2000" b="1" i="1" smtClean="0">
                             <a:solidFill>
-                              <a:schemeClr val="tx1"/>
+                              <a:srgbClr val="FF0000"/>
                             </a:solidFill>
                             <a:latin typeface="Cambria Math" panose="02040503050406030204" pitchFamily="18" charset="0"/>
                           </a:rPr>
@@ -6279,19 +6373,211 @@
                     <m:r>
                       <a:rPr lang="en-US" altLang="zh-TW" sz="2000" b="1" i="1" smtClean="0">
                         <a:solidFill>
-                          <a:schemeClr val="tx1"/>
+                          <a:srgbClr val="FF0000"/>
                         </a:solidFill>
                         <a:latin typeface="Cambria Math" panose="02040503050406030204" pitchFamily="18" charset="0"/>
                       </a:rPr>
                       <m:t>𝒑</m:t>
                     </m:r>
+                    <m:r>
+                      <a:rPr lang="en-US" altLang="zh-TW" sz="2000" b="1" i="1" smtClean="0">
+                        <a:solidFill>
+                          <a:srgbClr val="FF0000"/>
+                        </a:solidFill>
+                        <a:latin typeface="Cambria Math" panose="02040503050406030204" pitchFamily="18" charset="0"/>
+                      </a:rPr>
+                      <m:t>=</m:t>
+                    </m:r>
+                    <m:sSup>
+                      <m:sSupPr>
+                        <m:ctrlPr>
+                          <a:rPr lang="en-US" altLang="zh-TW" sz="2000" i="1">
+                            <a:solidFill>
+                              <a:srgbClr val="FF0000"/>
+                            </a:solidFill>
+                            <a:latin typeface="Cambria Math" panose="02040503050406030204" pitchFamily="18" charset="0"/>
+                          </a:rPr>
+                        </m:ctrlPr>
+                      </m:sSupPr>
+                      <m:e>
+                        <m:r>
+                          <a:rPr lang="en-US" altLang="zh-TW" sz="2000" i="1">
+                            <a:solidFill>
+                              <a:srgbClr val="FF0000"/>
+                            </a:solidFill>
+                            <a:latin typeface="Cambria Math" panose="02040503050406030204" pitchFamily="18" charset="0"/>
+                          </a:rPr>
+                          <m:t>[</m:t>
+                        </m:r>
+                        <m:sSub>
+                          <m:sSubPr>
+                            <m:ctrlPr>
+                              <a:rPr lang="en-US" altLang="zh-TW" sz="2000" i="1">
+                                <a:solidFill>
+                                  <a:srgbClr val="FF0000"/>
+                                </a:solidFill>
+                                <a:latin typeface="Cambria Math" panose="02040503050406030204" pitchFamily="18" charset="0"/>
+                              </a:rPr>
+                            </m:ctrlPr>
+                          </m:sSubPr>
+                          <m:e>
+                            <m:r>
+                              <a:rPr lang="en-US" altLang="zh-TW" sz="2000" i="1">
+                                <a:solidFill>
+                                  <a:srgbClr val="FF0000"/>
+                                </a:solidFill>
+                                <a:latin typeface="Cambria Math" panose="02040503050406030204" pitchFamily="18" charset="0"/>
+                              </a:rPr>
+                              <m:t>𝑤</m:t>
+                            </m:r>
+                          </m:e>
+                          <m:sub>
+                            <m:r>
+                              <a:rPr lang="en-US" altLang="zh-TW" sz="2000" i="1">
+                                <a:solidFill>
+                                  <a:srgbClr val="FF0000"/>
+                                </a:solidFill>
+                                <a:latin typeface="Cambria Math" panose="02040503050406030204" pitchFamily="18" charset="0"/>
+                              </a:rPr>
+                              <m:t>0</m:t>
+                            </m:r>
+                          </m:sub>
+                        </m:sSub>
+                        <m:r>
+                          <a:rPr lang="en-US" altLang="zh-TW" sz="2000" i="1">
+                            <a:solidFill>
+                              <a:srgbClr val="FF0000"/>
+                            </a:solidFill>
+                            <a:latin typeface="Cambria Math" panose="02040503050406030204" pitchFamily="18" charset="0"/>
+                          </a:rPr>
+                          <m:t>,</m:t>
+                        </m:r>
+                        <m:sSub>
+                          <m:sSubPr>
+                            <m:ctrlPr>
+                              <a:rPr lang="en-US" altLang="zh-TW" sz="2000" i="1">
+                                <a:solidFill>
+                                  <a:srgbClr val="FF0000"/>
+                                </a:solidFill>
+                                <a:latin typeface="Cambria Math" panose="02040503050406030204" pitchFamily="18" charset="0"/>
+                              </a:rPr>
+                            </m:ctrlPr>
+                          </m:sSubPr>
+                          <m:e>
+                            <m:r>
+                              <a:rPr lang="en-US" altLang="zh-TW" sz="2000" i="1">
+                                <a:solidFill>
+                                  <a:srgbClr val="FF0000"/>
+                                </a:solidFill>
+                                <a:latin typeface="Cambria Math" panose="02040503050406030204" pitchFamily="18" charset="0"/>
+                              </a:rPr>
+                              <m:t>𝑤</m:t>
+                            </m:r>
+                          </m:e>
+                          <m:sub>
+                            <m:r>
+                              <a:rPr lang="en-US" altLang="zh-TW" sz="2000" i="1">
+                                <a:solidFill>
+                                  <a:srgbClr val="FF0000"/>
+                                </a:solidFill>
+                                <a:latin typeface="Cambria Math" panose="02040503050406030204" pitchFamily="18" charset="0"/>
+                              </a:rPr>
+                              <m:t>1</m:t>
+                            </m:r>
+                          </m:sub>
+                        </m:sSub>
+                        <m:r>
+                          <a:rPr lang="en-US" altLang="zh-TW" sz="2000" i="1">
+                            <a:solidFill>
+                              <a:srgbClr val="FF0000"/>
+                            </a:solidFill>
+                            <a:latin typeface="Cambria Math" panose="02040503050406030204" pitchFamily="18" charset="0"/>
+                          </a:rPr>
+                          <m:t>,…,</m:t>
+                        </m:r>
+                        <m:sSub>
+                          <m:sSubPr>
+                            <m:ctrlPr>
+                              <a:rPr lang="en-US" altLang="zh-TW" sz="2000" i="1">
+                                <a:solidFill>
+                                  <a:srgbClr val="FF0000"/>
+                                </a:solidFill>
+                                <a:latin typeface="Cambria Math" panose="02040503050406030204" pitchFamily="18" charset="0"/>
+                              </a:rPr>
+                            </m:ctrlPr>
+                          </m:sSubPr>
+                          <m:e>
+                            <m:r>
+                              <a:rPr lang="en-US" altLang="zh-TW" sz="2000" i="1">
+                                <a:solidFill>
+                                  <a:srgbClr val="FF0000"/>
+                                </a:solidFill>
+                                <a:latin typeface="Cambria Math" panose="02040503050406030204" pitchFamily="18" charset="0"/>
+                              </a:rPr>
+                              <m:t>𝑤</m:t>
+                            </m:r>
+                          </m:e>
+                          <m:sub>
+                            <m:r>
+                              <a:rPr lang="en-US" altLang="zh-TW" sz="2000" i="1">
+                                <a:solidFill>
+                                  <a:srgbClr val="FF0000"/>
+                                </a:solidFill>
+                                <a:latin typeface="Cambria Math" panose="02040503050406030204" pitchFamily="18" charset="0"/>
+                              </a:rPr>
+                              <m:t>𝑀</m:t>
+                            </m:r>
+                            <m:r>
+                              <a:rPr lang="en-US" altLang="zh-TW" sz="2000" i="1">
+                                <a:solidFill>
+                                  <a:srgbClr val="FF0000"/>
+                                </a:solidFill>
+                                <a:latin typeface="Cambria Math" panose="02040503050406030204" pitchFamily="18" charset="0"/>
+                              </a:rPr>
+                              <m:t>−1</m:t>
+                            </m:r>
+                          </m:sub>
+                        </m:sSub>
+                        <m:r>
+                          <m:rPr>
+                            <m:nor/>
+                          </m:rPr>
+                          <a:rPr lang="en-US" altLang="zh-TW" sz="2000" dirty="0">
+                            <a:solidFill>
+                              <a:srgbClr val="FF0000"/>
+                            </a:solidFill>
+                            <a:latin typeface="Cambria Math" panose="02040503050406030204" pitchFamily="18" charset="0"/>
+                          </a:rPr>
+                          <m:t> </m:t>
+                        </m:r>
+                        <m:r>
+                          <a:rPr lang="en-US" altLang="zh-TW" sz="2000" i="1">
+                            <a:solidFill>
+                              <a:srgbClr val="FF0000"/>
+                            </a:solidFill>
+                            <a:latin typeface="Cambria Math" panose="02040503050406030204" pitchFamily="18" charset="0"/>
+                          </a:rPr>
+                          <m:t>]</m:t>
+                        </m:r>
+                      </m:e>
+                      <m:sup>
+                        <m:r>
+                          <a:rPr lang="en-US" altLang="zh-TW" sz="2000" i="1">
+                            <a:solidFill>
+                              <a:srgbClr val="FF0000"/>
+                            </a:solidFill>
+                            <a:latin typeface="Cambria Math" panose="02040503050406030204" pitchFamily="18" charset="0"/>
+                          </a:rPr>
+                          <m:t>𝑇</m:t>
+                        </m:r>
+                      </m:sup>
+                    </m:sSup>
                   </m:oMath>
                 </a14:m>
                 <a:endParaRPr lang="en-US" altLang="zh-TW" sz="2000" dirty="0">
                   <a:solidFill>
-                    <a:schemeClr val="tx1"/>
+                    <a:srgbClr val="FF0000"/>
                   </a:solidFill>
-                  <a:latin typeface="Cambria Math" panose="02040503050406030204" pitchFamily="18" charset="0"/>
                 </a:endParaRPr>
               </a:p>
               <a:p>
@@ -6317,7 +6603,7 @@
             </p:txBody>
           </p:sp>
         </mc:Choice>
-        <mc:Fallback xmlns="">
+        <mc:Fallback>
           <p:sp>
             <p:nvSpPr>
               <p:cNvPr id="3" name="內容版面配置區 2">
@@ -6445,7 +6731,7 @@
           <a:lstStyle/>
           <a:p>
             <a:r>
-              <a:rPr lang="en-US" altLang="zh-TW" dirty="0" smtClean="0"/>
+              <a:rPr lang="en-US" altLang="zh-TW" dirty="0"/>
               <a:t>Wiener Filter  </a:t>
             </a:r>
             <a:endParaRPr lang="zh-TW" altLang="en-US" dirty="0"/>
@@ -6598,13 +6884,6 @@
   <p:clrMapOvr>
     <a:masterClrMapping/>
   </p:clrMapOvr>
-  <p:timing>
-    <p:tnLst>
-      <p:par>
-        <p:cTn id="1" dur="indefinite" restart="never" nodeType="tmRoot"/>
-      </p:par>
-    </p:tnLst>
-  </p:timing>
 </p:sld>
 </file>
 
@@ -6647,7 +6926,7 @@
           <a:lstStyle/>
           <a:p>
             <a:r>
-              <a:rPr lang="en-US" altLang="zh-TW" dirty="0" smtClean="0"/>
+              <a:rPr lang="en-US" altLang="zh-TW" dirty="0"/>
               <a:t>Wiener Filter  </a:t>
             </a:r>
             <a:endParaRPr lang="zh-TW" altLang="en-US" dirty="0"/>
@@ -6690,7 +6969,7 @@
                   </a:lnSpc>
                 </a:pPr>
                 <a:r>
-                  <a:rPr lang="en-US" altLang="zh-TW" sz="2000" dirty="0" smtClean="0">
+                  <a:rPr lang="en-US" altLang="zh-TW" sz="2000" dirty="0">
                     <a:solidFill>
                       <a:schemeClr val="tx1"/>
                     </a:solidFill>
@@ -7019,7 +7298,7 @@
                   </m:oMath>
                 </a14:m>
                 <a:r>
-                  <a:rPr lang="en-US" altLang="zh-TW" sz="2000" b="0" i="1" dirty="0" smtClean="0">
+                  <a:rPr lang="en-US" altLang="zh-TW" sz="2000" b="0" i="1" dirty="0">
                     <a:solidFill>
                       <a:schemeClr val="tx1"/>
                     </a:solidFill>
@@ -7108,15 +7387,7 @@
                       <a:schemeClr val="tx1"/>
                     </a:solidFill>
                   </a:rPr>
-                  <a:t> with zero mean and unit variance</a:t>
-                </a:r>
-                <a:r>
-                  <a:rPr lang="en-US" altLang="zh-TW" sz="2000" dirty="0" smtClean="0">
-                    <a:solidFill>
-                      <a:schemeClr val="tx1"/>
-                    </a:solidFill>
-                  </a:rPr>
-                  <a:t>.</a:t>
+                  <a:t> with zero mean and unit variance.</a:t>
                 </a:r>
               </a:p>
               <a:p>
@@ -7267,16 +7538,7 @@
                     </a:solidFill>
                     <a:ea typeface="Cambria Math" panose="02040503050406030204" pitchFamily="18" charset="0"/>
                   </a:rPr>
-                  <a:t> is delay, which can be used to optimize the equalizer performance</a:t>
-                </a:r>
-                <a:r>
-                  <a:rPr lang="en-US" altLang="zh-TW" sz="2000" dirty="0" smtClean="0">
-                    <a:solidFill>
-                      <a:schemeClr val="tx1"/>
-                    </a:solidFill>
-                    <a:ea typeface="Cambria Math" panose="02040503050406030204" pitchFamily="18" charset="0"/>
-                  </a:rPr>
-                  <a:t>.</a:t>
+                  <a:t> is delay, which can be used to optimize the equalizer performance.</a:t>
                 </a:r>
               </a:p>
               <a:p>
@@ -7285,7 +7547,7 @@
                     <a:spcPct val="150000"/>
                   </a:lnSpc>
                 </a:pPr>
-                <a:endParaRPr lang="en-US" altLang="zh-TW" sz="2000" dirty="0" smtClean="0">
+                <a:endParaRPr lang="en-US" altLang="zh-TW" sz="2000" dirty="0">
                   <a:solidFill>
                     <a:schemeClr val="tx1"/>
                   </a:solidFill>
@@ -7299,7 +7561,7 @@
                   </a:lnSpc>
                 </a:pPr>
                 <a:r>
-                  <a:rPr lang="en-US" altLang="zh-TW" sz="2000" dirty="0" smtClean="0">
+                  <a:rPr lang="en-US" altLang="zh-TW" sz="2000" dirty="0">
                     <a:ea typeface="Cambria Math" panose="02040503050406030204" pitchFamily="18" charset="0"/>
                   </a:rPr>
                   <a:t>We choose equalizer length M=11.</a:t>
@@ -7411,13 +7673,6 @@
   <p:clrMapOvr>
     <a:masterClrMapping/>
   </p:clrMapOvr>
-  <p:timing>
-    <p:tnLst>
-      <p:par>
-        <p:cTn id="1" dur="indefinite" restart="never" nodeType="tmRoot"/>
-      </p:par>
-    </p:tnLst>
-  </p:timing>
 </p:sld>
 </file>
 
@@ -7508,7 +7763,7 @@
                   <a:buChar char="ü"/>
                 </a:pPr>
                 <a:r>
-                  <a:rPr lang="en-US" altLang="zh-TW" sz="2000" dirty="0" smtClean="0"/>
+                  <a:rPr lang="en-US" altLang="zh-TW" sz="2000" dirty="0"/>
                   <a:t>Delay </a:t>
                 </a:r>
                 <a14:m>
@@ -7652,7 +7907,7 @@
           <a:lstStyle/>
           <a:p>
             <a:r>
-              <a:rPr lang="en-US" altLang="zh-TW" dirty="0" smtClean="0"/>
+              <a:rPr lang="en-US" altLang="zh-TW" dirty="0"/>
               <a:t>Optimum FIR equalizer </a:t>
             </a:r>
             <a:endParaRPr lang="zh-TW" altLang="en-US" dirty="0"/>
@@ -7765,7 +8020,7 @@
               <a:lstStyle/>
               <a:p>
                 <a:r>
-                  <a:rPr lang="en-US" altLang="zh-TW" dirty="0" smtClean="0"/>
+                  <a:rPr lang="en-US" altLang="zh-TW" dirty="0"/>
                   <a:t>This result implies </a:t>
                 </a:r>
                 <a14:m>
@@ -7968,17 +8223,1381 @@
   <p:clrMapOvr>
     <a:masterClrMapping/>
   </p:clrMapOvr>
-  <p:timing>
-    <p:tnLst>
-      <p:par>
-        <p:cTn id="1" dur="indefinite" restart="never" nodeType="tmRoot"/>
-      </p:par>
-    </p:tnLst>
-  </p:timing>
 </p:sld>
 </file>
 
 <file path=ppt/slides/slide8.xml><?xml version="1.0" encoding="utf-8"?>
+<p:sld xmlns:a="http://schemas.openxmlformats.org/drawingml/2006/main" xmlns:r="http://schemas.openxmlformats.org/officeDocument/2006/relationships" xmlns:p="http://schemas.openxmlformats.org/presentationml/2006/main">
+  <p:cSld>
+    <p:spTree>
+      <p:nvGrpSpPr>
+        <p:cNvPr id="1" name=""/>
+        <p:cNvGrpSpPr/>
+        <p:nvPr/>
+      </p:nvGrpSpPr>
+      <p:grpSpPr>
+        <a:xfrm>
+          <a:off x="0" y="0"/>
+          <a:ext cx="0" cy="0"/>
+          <a:chOff x="0" y="0"/>
+          <a:chExt cx="0" cy="0"/>
+        </a:xfrm>
+      </p:grpSpPr>
+      <p:sp>
+        <p:nvSpPr>
+          <p:cNvPr id="2" name="標題 1">
+            <a:extLst>
+              <a:ext uri="{FF2B5EF4-FFF2-40B4-BE49-F238E27FC236}">
+                <a16:creationId xmlns:a16="http://schemas.microsoft.com/office/drawing/2014/main" id="{B2B686E7-4D83-4967-8D37-6A454D7AB1C4}"/>
+              </a:ext>
+            </a:extLst>
+          </p:cNvPr>
+          <p:cNvSpPr>
+            <a:spLocks noGrp="1"/>
+          </p:cNvSpPr>
+          <p:nvPr>
+            <p:ph type="title"/>
+          </p:nvPr>
+        </p:nvSpPr>
+        <p:spPr/>
+        <p:txBody>
+          <a:bodyPr/>
+          <a:lstStyle/>
+          <a:p>
+            <a:r>
+              <a:rPr lang="en-US" altLang="zh-TW" dirty="0"/>
+              <a:t>Zero forcing</a:t>
+            </a:r>
+            <a:endParaRPr lang="zh-TW" altLang="en-US" dirty="0"/>
+          </a:p>
+        </p:txBody>
+      </p:sp>
+      <mc:AlternateContent xmlns:mc="http://schemas.openxmlformats.org/markup-compatibility/2006">
+        <mc:Choice xmlns:a14="http://schemas.microsoft.com/office/drawing/2010/main" Requires="a14">
+          <p:sp>
+            <p:nvSpPr>
+              <p:cNvPr id="3" name="內容版面配置區 2">
+                <a:extLst>
+                  <a:ext uri="{FF2B5EF4-FFF2-40B4-BE49-F238E27FC236}">
+                    <a16:creationId xmlns:a16="http://schemas.microsoft.com/office/drawing/2014/main" id="{9D4CB2E9-7E15-43D3-A379-03B75AFB1742}"/>
+                  </a:ext>
+                </a:extLst>
+              </p:cNvPr>
+              <p:cNvSpPr>
+                <a:spLocks noGrp="1"/>
+              </p:cNvSpPr>
+              <p:nvPr>
+                <p:ph idx="1"/>
+              </p:nvPr>
+            </p:nvSpPr>
+            <p:spPr>
+              <a:xfrm>
+                <a:off x="838200" y="1617890"/>
+                <a:ext cx="8596668" cy="4764505"/>
+              </a:xfrm>
+            </p:spPr>
+            <p:txBody>
+              <a:bodyPr>
+                <a:normAutofit/>
+              </a:bodyPr>
+              <a:lstStyle/>
+              <a:p>
+                <a:pPr marL="0" indent="0">
+                  <a:lnSpc>
+                    <a:spcPct val="150000"/>
+                  </a:lnSpc>
+                  <a:buNone/>
+                </a:pPr>
+                <a:r>
+                  <a:rPr lang="en-US" altLang="zh-TW" sz="2000" dirty="0">
+                    <a:solidFill>
+                      <a:schemeClr val="tx1"/>
+                    </a:solidFill>
+                  </a:rPr>
+                  <a:t>Formula:</a:t>
+                </a:r>
+                <a:endParaRPr lang="en-US" altLang="zh-TW" sz="2000" b="1" i="1" dirty="0">
+                  <a:solidFill>
+                    <a:schemeClr val="tx1"/>
+                  </a:solidFill>
+                </a:endParaRPr>
+              </a:p>
+              <a:p>
+                <a:pPr>
+                  <a:lnSpc>
+                    <a:spcPct val="100000"/>
+                  </a:lnSpc>
+                </a:pPr>
+                <a14:m>
+                  <m:oMath xmlns:m="http://schemas.openxmlformats.org/officeDocument/2006/math">
+                    <m:r>
+                      <a:rPr lang="en-US" altLang="zh-TW" sz="2000" b="1" i="1" smtClean="0">
+                        <a:solidFill>
+                          <a:schemeClr val="tx1"/>
+                        </a:solidFill>
+                        <a:latin typeface="Cambria Math" panose="02040503050406030204" pitchFamily="18" charset="0"/>
+                      </a:rPr>
+                      <m:t>𝒖</m:t>
+                    </m:r>
+                    <m:d>
+                      <m:dPr>
+                        <m:ctrlPr>
+                          <a:rPr lang="en-US" altLang="zh-TW" sz="2000" b="0" i="1" smtClean="0">
+                            <a:solidFill>
+                              <a:schemeClr val="tx1"/>
+                            </a:solidFill>
+                            <a:latin typeface="Cambria Math" panose="02040503050406030204" pitchFamily="18" charset="0"/>
+                          </a:rPr>
+                        </m:ctrlPr>
+                      </m:dPr>
+                      <m:e>
+                        <m:r>
+                          <a:rPr lang="en-US" altLang="zh-TW" sz="2000" b="0" i="1" smtClean="0">
+                            <a:solidFill>
+                              <a:schemeClr val="tx1"/>
+                            </a:solidFill>
+                            <a:latin typeface="Cambria Math" panose="02040503050406030204" pitchFamily="18" charset="0"/>
+                          </a:rPr>
+                          <m:t>𝑛</m:t>
+                        </m:r>
+                      </m:e>
+                    </m:d>
+                    <m:r>
+                      <a:rPr lang="en-US" altLang="zh-TW" sz="2000" i="1">
+                        <a:latin typeface="Cambria Math" panose="02040503050406030204" pitchFamily="18" charset="0"/>
+                      </a:rPr>
+                      <m:t>=</m:t>
+                    </m:r>
+                    <m:r>
+                      <a:rPr lang="en-US" altLang="zh-TW" sz="2000" b="1" i="1" smtClean="0">
+                        <a:latin typeface="Cambria Math" panose="02040503050406030204" pitchFamily="18" charset="0"/>
+                      </a:rPr>
+                      <m:t>𝒉</m:t>
+                    </m:r>
+                    <m:d>
+                      <m:dPr>
+                        <m:ctrlPr>
+                          <a:rPr lang="en-US" altLang="zh-TW" sz="2000" b="0" i="1" smtClean="0">
+                            <a:latin typeface="Cambria Math" panose="02040503050406030204" pitchFamily="18" charset="0"/>
+                          </a:rPr>
+                        </m:ctrlPr>
+                      </m:dPr>
+                      <m:e>
+                        <m:r>
+                          <a:rPr lang="en-US" altLang="zh-TW" sz="2000" b="0" i="1" smtClean="0">
+                            <a:latin typeface="Cambria Math" panose="02040503050406030204" pitchFamily="18" charset="0"/>
+                          </a:rPr>
+                          <m:t>𝑛</m:t>
+                        </m:r>
+                      </m:e>
+                    </m:d>
+                    <m:r>
+                      <a:rPr lang="zh-TW" altLang="en-US" sz="2000" b="0" i="1" smtClean="0">
+                        <a:latin typeface="Cambria Math" panose="02040503050406030204" pitchFamily="18" charset="0"/>
+                        <a:ea typeface="Cambria Math" panose="02040503050406030204" pitchFamily="18" charset="0"/>
+                      </a:rPr>
+                      <m:t>∗</m:t>
+                    </m:r>
+                    <m:r>
+                      <a:rPr lang="en-US" altLang="zh-TW" sz="2000" b="1" i="1" smtClean="0">
+                        <a:latin typeface="Cambria Math" panose="02040503050406030204" pitchFamily="18" charset="0"/>
+                        <a:ea typeface="Cambria Math" panose="02040503050406030204" pitchFamily="18" charset="0"/>
+                      </a:rPr>
+                      <m:t>𝒙</m:t>
+                    </m:r>
+                    <m:d>
+                      <m:dPr>
+                        <m:ctrlPr>
+                          <a:rPr lang="en-US" altLang="zh-TW" sz="2000" b="0" i="1" smtClean="0">
+                            <a:latin typeface="Cambria Math" panose="02040503050406030204" pitchFamily="18" charset="0"/>
+                            <a:ea typeface="Cambria Math" panose="02040503050406030204" pitchFamily="18" charset="0"/>
+                          </a:rPr>
+                        </m:ctrlPr>
+                      </m:dPr>
+                      <m:e>
+                        <m:r>
+                          <a:rPr lang="en-US" altLang="zh-TW" sz="2000" b="0" i="1" smtClean="0">
+                            <a:latin typeface="Cambria Math" panose="02040503050406030204" pitchFamily="18" charset="0"/>
+                            <a:ea typeface="Cambria Math" panose="02040503050406030204" pitchFamily="18" charset="0"/>
+                          </a:rPr>
+                          <m:t>𝑛</m:t>
+                        </m:r>
+                      </m:e>
+                    </m:d>
+                    <m:r>
+                      <a:rPr lang="en-US" altLang="zh-TW" sz="2000" b="0" i="1" smtClean="0">
+                        <a:latin typeface="Cambria Math" panose="02040503050406030204" pitchFamily="18" charset="0"/>
+                        <a:ea typeface="Cambria Math" panose="02040503050406030204" pitchFamily="18" charset="0"/>
+                      </a:rPr>
+                      <m:t>+</m:t>
+                    </m:r>
+                    <m:r>
+                      <a:rPr lang="en-US" altLang="zh-TW" sz="2000" b="1" i="1" smtClean="0">
+                        <a:latin typeface="Cambria Math" panose="02040503050406030204" pitchFamily="18" charset="0"/>
+                        <a:ea typeface="Cambria Math" panose="02040503050406030204" pitchFamily="18" charset="0"/>
+                      </a:rPr>
+                      <m:t>𝒗</m:t>
+                    </m:r>
+                    <m:r>
+                      <a:rPr lang="en-US" altLang="zh-TW" sz="2000" b="1" i="1" smtClean="0">
+                        <a:latin typeface="Cambria Math" panose="02040503050406030204" pitchFamily="18" charset="0"/>
+                        <a:ea typeface="Cambria Math" panose="02040503050406030204" pitchFamily="18" charset="0"/>
+                      </a:rPr>
+                      <m:t>(</m:t>
+                    </m:r>
+                    <m:r>
+                      <a:rPr lang="en-US" altLang="zh-TW" sz="2000" b="0" i="1" smtClean="0">
+                        <a:latin typeface="Cambria Math" panose="02040503050406030204" pitchFamily="18" charset="0"/>
+                        <a:ea typeface="Cambria Math" panose="02040503050406030204" pitchFamily="18" charset="0"/>
+                      </a:rPr>
+                      <m:t>𝑛</m:t>
+                    </m:r>
+                    <m:r>
+                      <a:rPr lang="en-US" altLang="zh-TW" sz="2000" b="1" i="1" smtClean="0">
+                        <a:latin typeface="Cambria Math" panose="02040503050406030204" pitchFamily="18" charset="0"/>
+                        <a:ea typeface="Cambria Math" panose="02040503050406030204" pitchFamily="18" charset="0"/>
+                      </a:rPr>
+                      <m:t>)</m:t>
+                    </m:r>
+                  </m:oMath>
+                </a14:m>
+                <a:endParaRPr lang="en-US" altLang="zh-TW" sz="2000" i="1" dirty="0">
+                  <a:latin typeface="Cambria Math" panose="02040503050406030204" pitchFamily="18" charset="0"/>
+                </a:endParaRPr>
+              </a:p>
+              <a:p>
+                <a:pPr>
+                  <a:lnSpc>
+                    <a:spcPct val="100000"/>
+                  </a:lnSpc>
+                </a:pPr>
+                <a14:m>
+                  <m:oMath xmlns:m="http://schemas.openxmlformats.org/officeDocument/2006/math">
+                    <m:r>
+                      <a:rPr lang="en-US" altLang="zh-TW" sz="2000" b="1" i="1" smtClean="0">
+                        <a:solidFill>
+                          <a:schemeClr val="tx1"/>
+                        </a:solidFill>
+                        <a:latin typeface="Cambria Math" panose="02040503050406030204" pitchFamily="18" charset="0"/>
+                      </a:rPr>
+                      <m:t>𝒘</m:t>
+                    </m:r>
+                    <m:r>
+                      <a:rPr lang="en-US" altLang="zh-TW" sz="2000" b="0" i="1" smtClean="0">
+                        <a:solidFill>
+                          <a:schemeClr val="tx1"/>
+                        </a:solidFill>
+                        <a:latin typeface="Cambria Math" panose="02040503050406030204" pitchFamily="18" charset="0"/>
+                      </a:rPr>
+                      <m:t>=</m:t>
+                    </m:r>
+                    <m:sSup>
+                      <m:sSupPr>
+                        <m:ctrlPr>
+                          <a:rPr lang="en-US" altLang="zh-TW" sz="2000" i="1">
+                            <a:solidFill>
+                              <a:schemeClr val="tx1"/>
+                            </a:solidFill>
+                            <a:latin typeface="Cambria Math" panose="02040503050406030204" pitchFamily="18" charset="0"/>
+                          </a:rPr>
+                        </m:ctrlPr>
+                      </m:sSupPr>
+                      <m:e>
+                        <m:r>
+                          <a:rPr lang="en-US" altLang="zh-TW" sz="2000" i="1">
+                            <a:solidFill>
+                              <a:schemeClr val="tx1"/>
+                            </a:solidFill>
+                            <a:latin typeface="Cambria Math" panose="02040503050406030204" pitchFamily="18" charset="0"/>
+                          </a:rPr>
+                          <m:t>[</m:t>
+                        </m:r>
+                        <m:sSub>
+                          <m:sSubPr>
+                            <m:ctrlPr>
+                              <a:rPr lang="en-US" altLang="zh-TW" sz="2000" i="1">
+                                <a:solidFill>
+                                  <a:schemeClr val="tx1"/>
+                                </a:solidFill>
+                                <a:latin typeface="Cambria Math" panose="02040503050406030204" pitchFamily="18" charset="0"/>
+                              </a:rPr>
+                            </m:ctrlPr>
+                          </m:sSubPr>
+                          <m:e>
+                            <m:r>
+                              <a:rPr lang="en-US" altLang="zh-TW" sz="2000" i="1">
+                                <a:solidFill>
+                                  <a:schemeClr val="tx1"/>
+                                </a:solidFill>
+                                <a:latin typeface="Cambria Math" panose="02040503050406030204" pitchFamily="18" charset="0"/>
+                              </a:rPr>
+                              <m:t>𝑤</m:t>
+                            </m:r>
+                          </m:e>
+                          <m:sub>
+                            <m:r>
+                              <a:rPr lang="en-US" altLang="zh-TW" sz="2000" i="1">
+                                <a:solidFill>
+                                  <a:schemeClr val="tx1"/>
+                                </a:solidFill>
+                                <a:latin typeface="Cambria Math" panose="02040503050406030204" pitchFamily="18" charset="0"/>
+                              </a:rPr>
+                              <m:t>0</m:t>
+                            </m:r>
+                          </m:sub>
+                        </m:sSub>
+                        <m:r>
+                          <a:rPr lang="en-US" altLang="zh-TW" sz="2000" i="1">
+                            <a:solidFill>
+                              <a:schemeClr val="tx1"/>
+                            </a:solidFill>
+                            <a:latin typeface="Cambria Math" panose="02040503050406030204" pitchFamily="18" charset="0"/>
+                          </a:rPr>
+                          <m:t>,</m:t>
+                        </m:r>
+                        <m:sSub>
+                          <m:sSubPr>
+                            <m:ctrlPr>
+                              <a:rPr lang="en-US" altLang="zh-TW" sz="2000" i="1">
+                                <a:solidFill>
+                                  <a:schemeClr val="tx1"/>
+                                </a:solidFill>
+                                <a:latin typeface="Cambria Math" panose="02040503050406030204" pitchFamily="18" charset="0"/>
+                              </a:rPr>
+                            </m:ctrlPr>
+                          </m:sSubPr>
+                          <m:e>
+                            <m:r>
+                              <a:rPr lang="en-US" altLang="zh-TW" sz="2000" i="1">
+                                <a:solidFill>
+                                  <a:schemeClr val="tx1"/>
+                                </a:solidFill>
+                                <a:latin typeface="Cambria Math" panose="02040503050406030204" pitchFamily="18" charset="0"/>
+                              </a:rPr>
+                              <m:t>𝑤</m:t>
+                            </m:r>
+                          </m:e>
+                          <m:sub>
+                            <m:r>
+                              <a:rPr lang="en-US" altLang="zh-TW" sz="2000" i="1">
+                                <a:solidFill>
+                                  <a:schemeClr val="tx1"/>
+                                </a:solidFill>
+                                <a:latin typeface="Cambria Math" panose="02040503050406030204" pitchFamily="18" charset="0"/>
+                              </a:rPr>
+                              <m:t>1</m:t>
+                            </m:r>
+                          </m:sub>
+                        </m:sSub>
+                        <m:r>
+                          <a:rPr lang="en-US" altLang="zh-TW" sz="2000" i="1">
+                            <a:solidFill>
+                              <a:schemeClr val="tx1"/>
+                            </a:solidFill>
+                            <a:latin typeface="Cambria Math" panose="02040503050406030204" pitchFamily="18" charset="0"/>
+                          </a:rPr>
+                          <m:t>,…,</m:t>
+                        </m:r>
+                        <m:sSub>
+                          <m:sSubPr>
+                            <m:ctrlPr>
+                              <a:rPr lang="en-US" altLang="zh-TW" sz="2000" i="1">
+                                <a:solidFill>
+                                  <a:schemeClr val="tx1"/>
+                                </a:solidFill>
+                                <a:latin typeface="Cambria Math" panose="02040503050406030204" pitchFamily="18" charset="0"/>
+                              </a:rPr>
+                            </m:ctrlPr>
+                          </m:sSubPr>
+                          <m:e>
+                            <m:r>
+                              <a:rPr lang="en-US" altLang="zh-TW" sz="2000" i="1">
+                                <a:solidFill>
+                                  <a:schemeClr val="tx1"/>
+                                </a:solidFill>
+                                <a:latin typeface="Cambria Math" panose="02040503050406030204" pitchFamily="18" charset="0"/>
+                              </a:rPr>
+                              <m:t>𝑤</m:t>
+                            </m:r>
+                          </m:e>
+                          <m:sub>
+                            <m:r>
+                              <a:rPr lang="en-US" altLang="zh-TW" sz="2000" i="1">
+                                <a:solidFill>
+                                  <a:schemeClr val="tx1"/>
+                                </a:solidFill>
+                                <a:latin typeface="Cambria Math" panose="02040503050406030204" pitchFamily="18" charset="0"/>
+                              </a:rPr>
+                              <m:t>𝑀</m:t>
+                            </m:r>
+                            <m:r>
+                              <a:rPr lang="en-US" altLang="zh-TW" sz="2000" i="1">
+                                <a:solidFill>
+                                  <a:schemeClr val="tx1"/>
+                                </a:solidFill>
+                                <a:latin typeface="Cambria Math" panose="02040503050406030204" pitchFamily="18" charset="0"/>
+                              </a:rPr>
+                              <m:t>−1</m:t>
+                            </m:r>
+                          </m:sub>
+                        </m:sSub>
+                        <m:r>
+                          <m:rPr>
+                            <m:nor/>
+                          </m:rPr>
+                          <a:rPr lang="en-US" altLang="zh-TW" sz="2000" dirty="0">
+                            <a:solidFill>
+                              <a:schemeClr val="tx1"/>
+                            </a:solidFill>
+                            <a:latin typeface="Cambria Math" panose="02040503050406030204" pitchFamily="18" charset="0"/>
+                          </a:rPr>
+                          <m:t> </m:t>
+                        </m:r>
+                        <m:r>
+                          <a:rPr lang="en-US" altLang="zh-TW" sz="2000" i="1">
+                            <a:solidFill>
+                              <a:schemeClr val="tx1"/>
+                            </a:solidFill>
+                            <a:latin typeface="Cambria Math" panose="02040503050406030204" pitchFamily="18" charset="0"/>
+                          </a:rPr>
+                          <m:t>]</m:t>
+                        </m:r>
+                      </m:e>
+                      <m:sup>
+                        <m:r>
+                          <a:rPr lang="en-US" altLang="zh-TW" sz="2000" i="1">
+                            <a:solidFill>
+                              <a:schemeClr val="tx1"/>
+                            </a:solidFill>
+                            <a:latin typeface="Cambria Math" panose="02040503050406030204" pitchFamily="18" charset="0"/>
+                          </a:rPr>
+                          <m:t>𝑇</m:t>
+                        </m:r>
+                      </m:sup>
+                    </m:sSup>
+                  </m:oMath>
+                </a14:m>
+                <a:endParaRPr lang="en-US" altLang="zh-TW" sz="2000" i="1" dirty="0">
+                  <a:solidFill>
+                    <a:schemeClr val="tx1"/>
+                  </a:solidFill>
+                  <a:latin typeface="Cambria Math" panose="02040503050406030204" pitchFamily="18" charset="0"/>
+                </a:endParaRPr>
+              </a:p>
+              <a:p>
+                <a:pPr>
+                  <a:lnSpc>
+                    <a:spcPct val="100000"/>
+                  </a:lnSpc>
+                </a:pPr>
+                <a14:m>
+                  <m:oMath xmlns:m="http://schemas.openxmlformats.org/officeDocument/2006/math">
+                    <m:r>
+                      <a:rPr lang="en-US" altLang="zh-TW" sz="2000" b="0" i="1" smtClean="0">
+                        <a:solidFill>
+                          <a:schemeClr val="tx1"/>
+                        </a:solidFill>
+                        <a:latin typeface="Cambria Math" panose="02040503050406030204" pitchFamily="18" charset="0"/>
+                      </a:rPr>
+                      <m:t>𝑑</m:t>
+                    </m:r>
+                    <m:d>
+                      <m:dPr>
+                        <m:ctrlPr>
+                          <a:rPr lang="en-US" altLang="zh-TW" sz="2000" b="0" i="1" smtClean="0">
+                            <a:solidFill>
+                              <a:schemeClr val="tx1"/>
+                            </a:solidFill>
+                            <a:latin typeface="Cambria Math" panose="02040503050406030204" pitchFamily="18" charset="0"/>
+                          </a:rPr>
+                        </m:ctrlPr>
+                      </m:dPr>
+                      <m:e>
+                        <m:r>
+                          <a:rPr lang="en-US" altLang="zh-TW" sz="2000" b="0" i="1" smtClean="0">
+                            <a:solidFill>
+                              <a:schemeClr val="tx1"/>
+                            </a:solidFill>
+                            <a:latin typeface="Cambria Math" panose="02040503050406030204" pitchFamily="18" charset="0"/>
+                          </a:rPr>
+                          <m:t>𝑛</m:t>
+                        </m:r>
+                      </m:e>
+                    </m:d>
+                    <m:r>
+                      <a:rPr lang="en-US" altLang="zh-TW" sz="2000" b="0" i="1" smtClean="0">
+                        <a:solidFill>
+                          <a:schemeClr val="tx1"/>
+                        </a:solidFill>
+                        <a:latin typeface="Cambria Math" panose="02040503050406030204" pitchFamily="18" charset="0"/>
+                      </a:rPr>
+                      <m:t>=</m:t>
+                    </m:r>
+                    <m:r>
+                      <a:rPr lang="en-US" altLang="zh-TW" sz="2000" i="1">
+                        <a:latin typeface="Cambria Math" panose="02040503050406030204" pitchFamily="18" charset="0"/>
+                        <a:ea typeface="Cambria Math" panose="02040503050406030204" pitchFamily="18" charset="0"/>
+                      </a:rPr>
+                      <m:t>𝑥</m:t>
+                    </m:r>
+                    <m:d>
+                      <m:dPr>
+                        <m:ctrlPr>
+                          <a:rPr lang="en-US" altLang="zh-TW" sz="2000" i="1">
+                            <a:latin typeface="Cambria Math" panose="02040503050406030204" pitchFamily="18" charset="0"/>
+                            <a:ea typeface="Cambria Math" panose="02040503050406030204" pitchFamily="18" charset="0"/>
+                          </a:rPr>
+                        </m:ctrlPr>
+                      </m:dPr>
+                      <m:e>
+                        <m:r>
+                          <a:rPr lang="en-US" altLang="zh-TW" sz="2000" i="1">
+                            <a:latin typeface="Cambria Math" panose="02040503050406030204" pitchFamily="18" charset="0"/>
+                            <a:ea typeface="Cambria Math" panose="02040503050406030204" pitchFamily="18" charset="0"/>
+                          </a:rPr>
+                          <m:t>𝑛</m:t>
+                        </m:r>
+                        <m:r>
+                          <a:rPr lang="en-US" altLang="zh-TW" sz="2000" i="1">
+                            <a:latin typeface="Cambria Math" panose="02040503050406030204" pitchFamily="18" charset="0"/>
+                            <a:ea typeface="Cambria Math" panose="02040503050406030204" pitchFamily="18" charset="0"/>
+                          </a:rPr>
+                          <m:t>−∆</m:t>
+                        </m:r>
+                      </m:e>
+                    </m:d>
+                    <m:r>
+                      <a:rPr lang="en-US" altLang="zh-TW" sz="2000" i="1">
+                        <a:latin typeface="Cambria Math" panose="02040503050406030204" pitchFamily="18" charset="0"/>
+                      </a:rPr>
+                      <m:t>=</m:t>
+                    </m:r>
+                    <m:sSup>
+                      <m:sSupPr>
+                        <m:ctrlPr>
+                          <a:rPr lang="en-US" altLang="zh-TW" sz="2000" i="1">
+                            <a:latin typeface="Cambria Math" panose="02040503050406030204" pitchFamily="18" charset="0"/>
+                            <a:ea typeface="Cambria Math" panose="02040503050406030204" pitchFamily="18" charset="0"/>
+                          </a:rPr>
+                        </m:ctrlPr>
+                      </m:sSupPr>
+                      <m:e>
+                        <m:r>
+                          <a:rPr lang="en-US" altLang="zh-TW" sz="2000" b="1" i="1" smtClean="0">
+                            <a:solidFill>
+                              <a:schemeClr val="tx1"/>
+                            </a:solidFill>
+                            <a:latin typeface="Cambria Math" panose="02040503050406030204" pitchFamily="18" charset="0"/>
+                            <a:ea typeface="Cambria Math" panose="02040503050406030204" pitchFamily="18" charset="0"/>
+                          </a:rPr>
+                          <m:t>𝒘</m:t>
+                        </m:r>
+                      </m:e>
+                      <m:sup>
+                        <m:r>
+                          <a:rPr lang="en-US" altLang="zh-TW" sz="2000" b="0" i="1" smtClean="0">
+                            <a:latin typeface="Cambria Math" panose="02040503050406030204" pitchFamily="18" charset="0"/>
+                            <a:ea typeface="Cambria Math" panose="02040503050406030204" pitchFamily="18" charset="0"/>
+                          </a:rPr>
+                          <m:t>𝐻</m:t>
+                        </m:r>
+                      </m:sup>
+                    </m:sSup>
+                    <m:r>
+                      <a:rPr lang="en-US" altLang="zh-TW" sz="2000" b="1" i="1">
+                        <a:latin typeface="Cambria Math" panose="02040503050406030204" pitchFamily="18" charset="0"/>
+                      </a:rPr>
+                      <m:t>𝒖</m:t>
+                    </m:r>
+                    <m:d>
+                      <m:dPr>
+                        <m:ctrlPr>
+                          <a:rPr lang="en-US" altLang="zh-TW" sz="2000" i="1">
+                            <a:latin typeface="Cambria Math" panose="02040503050406030204" pitchFamily="18" charset="0"/>
+                          </a:rPr>
+                        </m:ctrlPr>
+                      </m:dPr>
+                      <m:e>
+                        <m:r>
+                          <a:rPr lang="en-US" altLang="zh-TW" sz="2000" i="1">
+                            <a:latin typeface="Cambria Math" panose="02040503050406030204" pitchFamily="18" charset="0"/>
+                          </a:rPr>
+                          <m:t>𝑛</m:t>
+                        </m:r>
+                      </m:e>
+                    </m:d>
+                    <m:r>
+                      <a:rPr lang="en-US" altLang="zh-TW" sz="2000" b="0" i="1" smtClean="0">
+                        <a:latin typeface="Cambria Math" panose="02040503050406030204" pitchFamily="18" charset="0"/>
+                        <a:ea typeface="Cambria Math" panose="02040503050406030204" pitchFamily="18" charset="0"/>
+                      </a:rPr>
+                      <m:t>=</m:t>
+                    </m:r>
+                  </m:oMath>
+                </a14:m>
+                <a:r>
+                  <a:rPr lang="en-US" altLang="zh-TW" sz="2000" dirty="0">
+                    <a:ea typeface="Cambria Math" panose="02040503050406030204" pitchFamily="18" charset="0"/>
+                  </a:rPr>
+                  <a:t> </a:t>
+                </a:r>
+                <a14:m>
+                  <m:oMath xmlns:m="http://schemas.openxmlformats.org/officeDocument/2006/math">
+                    <m:sSup>
+                      <m:sSupPr>
+                        <m:ctrlPr>
+                          <a:rPr lang="en-US" altLang="zh-TW" sz="2000" i="1">
+                            <a:latin typeface="Cambria Math" panose="02040503050406030204" pitchFamily="18" charset="0"/>
+                            <a:ea typeface="Cambria Math" panose="02040503050406030204" pitchFamily="18" charset="0"/>
+                          </a:rPr>
+                        </m:ctrlPr>
+                      </m:sSupPr>
+                      <m:e>
+                        <m:r>
+                          <a:rPr lang="en-US" altLang="zh-TW" sz="2000" b="1" i="1">
+                            <a:latin typeface="Cambria Math" panose="02040503050406030204" pitchFamily="18" charset="0"/>
+                            <a:ea typeface="Cambria Math" panose="02040503050406030204" pitchFamily="18" charset="0"/>
+                          </a:rPr>
+                          <m:t>𝒘</m:t>
+                        </m:r>
+                      </m:e>
+                      <m:sup>
+                        <m:r>
+                          <a:rPr lang="en-US" altLang="zh-TW" sz="2000" i="1">
+                            <a:latin typeface="Cambria Math" panose="02040503050406030204" pitchFamily="18" charset="0"/>
+                            <a:ea typeface="Cambria Math" panose="02040503050406030204" pitchFamily="18" charset="0"/>
+                          </a:rPr>
+                          <m:t>𝐻</m:t>
+                        </m:r>
+                      </m:sup>
+                    </m:sSup>
+                    <m:r>
+                      <a:rPr lang="en-US" altLang="zh-TW" sz="2000" b="1" i="1" smtClean="0">
+                        <a:latin typeface="Cambria Math" panose="02040503050406030204" pitchFamily="18" charset="0"/>
+                        <a:ea typeface="Cambria Math" panose="02040503050406030204" pitchFamily="18" charset="0"/>
+                      </a:rPr>
+                      <m:t>𝑯𝒙</m:t>
+                    </m:r>
+                    <m:d>
+                      <m:dPr>
+                        <m:ctrlPr>
+                          <a:rPr lang="en-US" altLang="zh-TW" sz="2000" b="1" i="1" smtClean="0">
+                            <a:latin typeface="Cambria Math" panose="02040503050406030204" pitchFamily="18" charset="0"/>
+                            <a:ea typeface="Cambria Math" panose="02040503050406030204" pitchFamily="18" charset="0"/>
+                          </a:rPr>
+                        </m:ctrlPr>
+                      </m:dPr>
+                      <m:e>
+                        <m:r>
+                          <a:rPr lang="en-US" altLang="zh-TW" sz="2000" b="0" i="1" smtClean="0">
+                            <a:latin typeface="Cambria Math" panose="02040503050406030204" pitchFamily="18" charset="0"/>
+                            <a:ea typeface="Cambria Math" panose="02040503050406030204" pitchFamily="18" charset="0"/>
+                          </a:rPr>
+                          <m:t>𝑛</m:t>
+                        </m:r>
+                      </m:e>
+                    </m:d>
+                    <m:r>
+                      <a:rPr lang="en-US" altLang="zh-TW" sz="2000" b="0" i="1" smtClean="0">
+                        <a:latin typeface="Cambria Math" panose="02040503050406030204" pitchFamily="18" charset="0"/>
+                        <a:ea typeface="Cambria Math" panose="02040503050406030204" pitchFamily="18" charset="0"/>
+                      </a:rPr>
+                      <m:t>+</m:t>
+                    </m:r>
+                  </m:oMath>
+                </a14:m>
+                <a:r>
+                  <a:rPr lang="en-US" altLang="zh-TW" sz="2000" dirty="0">
+                    <a:ea typeface="Cambria Math" panose="02040503050406030204" pitchFamily="18" charset="0"/>
+                  </a:rPr>
+                  <a:t> </a:t>
+                </a:r>
+                <a14:m>
+                  <m:oMath xmlns:m="http://schemas.openxmlformats.org/officeDocument/2006/math">
+                    <m:sSup>
+                      <m:sSupPr>
+                        <m:ctrlPr>
+                          <a:rPr lang="en-US" altLang="zh-TW" sz="2000" i="1">
+                            <a:latin typeface="Cambria Math" panose="02040503050406030204" pitchFamily="18" charset="0"/>
+                            <a:ea typeface="Cambria Math" panose="02040503050406030204" pitchFamily="18" charset="0"/>
+                          </a:rPr>
+                        </m:ctrlPr>
+                      </m:sSupPr>
+                      <m:e>
+                        <m:r>
+                          <a:rPr lang="en-US" altLang="zh-TW" sz="2000" b="1" i="1">
+                            <a:latin typeface="Cambria Math" panose="02040503050406030204" pitchFamily="18" charset="0"/>
+                            <a:ea typeface="Cambria Math" panose="02040503050406030204" pitchFamily="18" charset="0"/>
+                          </a:rPr>
+                          <m:t>𝒘</m:t>
+                        </m:r>
+                      </m:e>
+                      <m:sup>
+                        <m:r>
+                          <a:rPr lang="en-US" altLang="zh-TW" sz="2000" i="1">
+                            <a:latin typeface="Cambria Math" panose="02040503050406030204" pitchFamily="18" charset="0"/>
+                            <a:ea typeface="Cambria Math" panose="02040503050406030204" pitchFamily="18" charset="0"/>
+                          </a:rPr>
+                          <m:t>𝐻</m:t>
+                        </m:r>
+                      </m:sup>
+                    </m:sSup>
+                    <m:r>
+                      <a:rPr lang="en-US" altLang="zh-TW" sz="2000" b="1" i="1">
+                        <a:latin typeface="Cambria Math" panose="02040503050406030204" pitchFamily="18" charset="0"/>
+                        <a:ea typeface="Cambria Math" panose="02040503050406030204" pitchFamily="18" charset="0"/>
+                      </a:rPr>
+                      <m:t>𝒗</m:t>
+                    </m:r>
+                    <m:r>
+                      <a:rPr lang="en-US" altLang="zh-TW" sz="2000" b="1" i="1">
+                        <a:latin typeface="Cambria Math" panose="02040503050406030204" pitchFamily="18" charset="0"/>
+                        <a:ea typeface="Cambria Math" panose="02040503050406030204" pitchFamily="18" charset="0"/>
+                      </a:rPr>
+                      <m:t>(</m:t>
+                    </m:r>
+                    <m:r>
+                      <a:rPr lang="en-US" altLang="zh-TW" sz="2000" i="1">
+                        <a:latin typeface="Cambria Math" panose="02040503050406030204" pitchFamily="18" charset="0"/>
+                        <a:ea typeface="Cambria Math" panose="02040503050406030204" pitchFamily="18" charset="0"/>
+                      </a:rPr>
+                      <m:t>𝑛</m:t>
+                    </m:r>
+                    <m:r>
+                      <a:rPr lang="en-US" altLang="zh-TW" sz="2000" b="1" i="1">
+                        <a:latin typeface="Cambria Math" panose="02040503050406030204" pitchFamily="18" charset="0"/>
+                        <a:ea typeface="Cambria Math" panose="02040503050406030204" pitchFamily="18" charset="0"/>
+                      </a:rPr>
+                      <m:t>)</m:t>
+                    </m:r>
+                  </m:oMath>
+                </a14:m>
+                <a:endParaRPr lang="en-US" altLang="zh-TW" sz="2000" i="1" dirty="0">
+                  <a:latin typeface="Cambria Math" panose="02040503050406030204" pitchFamily="18" charset="0"/>
+                </a:endParaRPr>
+              </a:p>
+              <a:p>
+                <a:pPr>
+                  <a:lnSpc>
+                    <a:spcPct val="100000"/>
+                  </a:lnSpc>
+                </a:pPr>
+                <a14:m>
+                  <m:oMath xmlns:m="http://schemas.openxmlformats.org/officeDocument/2006/math">
+                    <m:r>
+                      <a:rPr lang="en-US" altLang="zh-TW" sz="2000" b="1" i="1" smtClean="0">
+                        <a:latin typeface="Cambria Math" panose="02040503050406030204" pitchFamily="18" charset="0"/>
+                        <a:ea typeface="Cambria Math" panose="02040503050406030204" pitchFamily="18" charset="0"/>
+                      </a:rPr>
+                      <m:t>𝑯</m:t>
+                    </m:r>
+                    <m:r>
+                      <a:rPr lang="en-US" altLang="zh-TW" sz="2000" b="0" i="1" smtClean="0">
+                        <a:latin typeface="Cambria Math" panose="02040503050406030204" pitchFamily="18" charset="0"/>
+                        <a:ea typeface="Cambria Math" panose="02040503050406030204" pitchFamily="18" charset="0"/>
+                      </a:rPr>
+                      <m:t>: </m:t>
+                    </m:r>
+                  </m:oMath>
+                </a14:m>
+                <a:r>
+                  <a:rPr lang="en-US" altLang="zh-TW" sz="2000" b="0" i="0" dirty="0">
+                    <a:ea typeface="Cambria Math" panose="02040503050406030204" pitchFamily="18" charset="0"/>
+                  </a:rPr>
+                  <a:t>Convolution matrix (Toeplitz matrix)</a:t>
+                </a:r>
+                <a:r>
+                  <a:rPr lang="en-US" altLang="zh-TW" sz="2000" i="1" dirty="0"/>
+                  <a:t>.</a:t>
+                </a:r>
+              </a:p>
+              <a:p>
+                <a:pPr>
+                  <a:lnSpc>
+                    <a:spcPct val="100000"/>
+                  </a:lnSpc>
+                </a:pPr>
+                <a:r>
+                  <a:rPr lang="en-US" altLang="zh-TW" sz="2000" dirty="0"/>
+                  <a:t>Our goal: </a:t>
+                </a:r>
+                <a14:m>
+                  <m:oMath xmlns:m="http://schemas.openxmlformats.org/officeDocument/2006/math">
+                    <m:sSup>
+                      <m:sSupPr>
+                        <m:ctrlPr>
+                          <a:rPr lang="en-US" altLang="zh-TW" sz="2000" i="1" smtClean="0">
+                            <a:latin typeface="Cambria Math" panose="02040503050406030204" pitchFamily="18" charset="0"/>
+                            <a:ea typeface="Cambria Math" panose="02040503050406030204" pitchFamily="18" charset="0"/>
+                          </a:rPr>
+                        </m:ctrlPr>
+                      </m:sSupPr>
+                      <m:e>
+                        <m:r>
+                          <a:rPr lang="en-US" altLang="zh-TW" sz="2000" b="1" i="1">
+                            <a:latin typeface="Cambria Math" panose="02040503050406030204" pitchFamily="18" charset="0"/>
+                            <a:ea typeface="Cambria Math" panose="02040503050406030204" pitchFamily="18" charset="0"/>
+                          </a:rPr>
+                          <m:t>𝒘</m:t>
+                        </m:r>
+                      </m:e>
+                      <m:sup>
+                        <m:r>
+                          <a:rPr lang="en-US" altLang="zh-TW" sz="2000" i="1">
+                            <a:latin typeface="Cambria Math" panose="02040503050406030204" pitchFamily="18" charset="0"/>
+                            <a:ea typeface="Cambria Math" panose="02040503050406030204" pitchFamily="18" charset="0"/>
+                          </a:rPr>
+                          <m:t>𝐻</m:t>
+                        </m:r>
+                      </m:sup>
+                    </m:sSup>
+                    <m:r>
+                      <a:rPr lang="en-US" altLang="zh-TW" sz="2000" b="1" i="1" smtClean="0">
+                        <a:latin typeface="Cambria Math" panose="02040503050406030204" pitchFamily="18" charset="0"/>
+                        <a:ea typeface="Cambria Math" panose="02040503050406030204" pitchFamily="18" charset="0"/>
+                      </a:rPr>
+                      <m:t>𝑯</m:t>
+                    </m:r>
+                    <m:r>
+                      <a:rPr lang="en-US" altLang="zh-TW" sz="2000" b="0" i="1" smtClean="0">
+                        <a:latin typeface="Cambria Math" panose="02040503050406030204" pitchFamily="18" charset="0"/>
+                        <a:ea typeface="Cambria Math" panose="02040503050406030204" pitchFamily="18" charset="0"/>
+                      </a:rPr>
+                      <m:t>=[0  ….0 1 0 …0]</m:t>
+                    </m:r>
+                  </m:oMath>
+                </a14:m>
+                <a:r>
+                  <a:rPr lang="en-US" altLang="zh-TW" sz="2000" dirty="0"/>
+                  <a:t> </a:t>
+                </a:r>
+                <a:r>
+                  <a:rPr lang="en-US" altLang="zh-TW" sz="2000" b="1" dirty="0">
+                    <a:sym typeface="Wingdings" panose="05000000000000000000" pitchFamily="2" charset="2"/>
+                  </a:rPr>
+                  <a:t> </a:t>
+                </a:r>
+                <a14:m>
+                  <m:oMath xmlns:m="http://schemas.openxmlformats.org/officeDocument/2006/math">
+                    <m:sSup>
+                      <m:sSupPr>
+                        <m:ctrlPr>
+                          <a:rPr lang="en-US" altLang="zh-TW" sz="2000" b="1" i="1" smtClean="0">
+                            <a:latin typeface="Cambria Math" panose="02040503050406030204" pitchFamily="18" charset="0"/>
+                            <a:sym typeface="Wingdings" panose="05000000000000000000" pitchFamily="2" charset="2"/>
+                          </a:rPr>
+                        </m:ctrlPr>
+                      </m:sSupPr>
+                      <m:e>
+                        <m:r>
+                          <a:rPr lang="en-US" altLang="zh-TW" sz="2000" b="1" i="1" smtClean="0">
+                            <a:latin typeface="Cambria Math" panose="02040503050406030204" pitchFamily="18" charset="0"/>
+                            <a:sym typeface="Wingdings" panose="05000000000000000000" pitchFamily="2" charset="2"/>
+                          </a:rPr>
+                          <m:t>𝑯</m:t>
+                        </m:r>
+                      </m:e>
+                      <m:sup>
+                        <m:r>
+                          <a:rPr lang="en-US" altLang="zh-TW" sz="2000" b="1" i="1" smtClean="0">
+                            <a:latin typeface="Cambria Math" panose="02040503050406030204" pitchFamily="18" charset="0"/>
+                            <a:sym typeface="Wingdings" panose="05000000000000000000" pitchFamily="2" charset="2"/>
+                          </a:rPr>
+                          <m:t>𝑯</m:t>
+                        </m:r>
+                      </m:sup>
+                    </m:sSup>
+                    <m:r>
+                      <a:rPr lang="en-US" altLang="zh-TW" sz="2000" b="1" i="1" smtClean="0">
+                        <a:latin typeface="Cambria Math" panose="02040503050406030204" pitchFamily="18" charset="0"/>
+                        <a:sym typeface="Wingdings" panose="05000000000000000000" pitchFamily="2" charset="2"/>
+                      </a:rPr>
+                      <m:t>𝒘</m:t>
+                    </m:r>
+                    <m:r>
+                      <a:rPr lang="en-US" altLang="zh-TW" sz="2000" b="1" i="1" smtClean="0">
+                        <a:latin typeface="Cambria Math" panose="02040503050406030204" pitchFamily="18" charset="0"/>
+                        <a:sym typeface="Wingdings" panose="05000000000000000000" pitchFamily="2" charset="2"/>
+                      </a:rPr>
+                      <m:t>=</m:t>
+                    </m:r>
+                  </m:oMath>
+                </a14:m>
+                <a:r>
+                  <a:rPr lang="en-US" altLang="zh-TW" sz="2000" dirty="0"/>
+                  <a:t> </a:t>
+                </a:r>
+                <a14:m>
+                  <m:oMath xmlns:m="http://schemas.openxmlformats.org/officeDocument/2006/math">
+                    <m:sSup>
+                      <m:sSupPr>
+                        <m:ctrlPr>
+                          <a:rPr lang="en-US" altLang="zh-TW" sz="2000" i="1">
+                            <a:latin typeface="Cambria Math" panose="02040503050406030204" pitchFamily="18" charset="0"/>
+                          </a:rPr>
+                        </m:ctrlPr>
+                      </m:sSupPr>
+                      <m:e>
+                        <m:r>
+                          <a:rPr lang="en-US" altLang="zh-TW" sz="2000" i="1">
+                            <a:latin typeface="Cambria Math" panose="02040503050406030204" pitchFamily="18" charset="0"/>
+                          </a:rPr>
+                          <m:t>[</m:t>
+                        </m:r>
+                        <m:r>
+                          <a:rPr lang="en-US" altLang="zh-TW" sz="2000" b="0" i="1" smtClean="0">
+                            <a:latin typeface="Cambria Math" panose="02040503050406030204" pitchFamily="18" charset="0"/>
+                          </a:rPr>
+                          <m:t>0….0 1 0 ….0</m:t>
+                        </m:r>
+                        <m:r>
+                          <a:rPr lang="en-US" altLang="zh-TW" sz="2000" i="1">
+                            <a:latin typeface="Cambria Math" panose="02040503050406030204" pitchFamily="18" charset="0"/>
+                          </a:rPr>
+                          <m:t>]</m:t>
+                        </m:r>
+                      </m:e>
+                      <m:sup>
+                        <m:r>
+                          <a:rPr lang="en-US" altLang="zh-TW" sz="2000" i="1">
+                            <a:latin typeface="Cambria Math" panose="02040503050406030204" pitchFamily="18" charset="0"/>
+                          </a:rPr>
+                          <m:t>𝑇</m:t>
+                        </m:r>
+                      </m:sup>
+                    </m:sSup>
+                  </m:oMath>
+                </a14:m>
+                <a:endParaRPr lang="en-US" altLang="zh-TW" sz="2000" dirty="0"/>
+              </a:p>
+              <a:p>
+                <a:pPr>
+                  <a:lnSpc>
+                    <a:spcPct val="100000"/>
+                  </a:lnSpc>
+                </a:pPr>
+                <a:endParaRPr lang="en-US" altLang="zh-TW" sz="2000" dirty="0"/>
+              </a:p>
+              <a:p>
+                <a:pPr>
+                  <a:lnSpc>
+                    <a:spcPct val="100000"/>
+                  </a:lnSpc>
+                </a:pPr>
+                <a14:m>
+                  <m:oMath xmlns:m="http://schemas.openxmlformats.org/officeDocument/2006/math">
+                    <m:r>
+                      <a:rPr lang="en-US" altLang="zh-TW" sz="2000" b="1" i="1" smtClean="0">
+                        <a:latin typeface="Cambria Math" panose="02040503050406030204" pitchFamily="18" charset="0"/>
+                        <a:sym typeface="Wingdings" panose="05000000000000000000" pitchFamily="2" charset="2"/>
+                      </a:rPr>
+                      <m:t>𝒘</m:t>
+                    </m:r>
+                  </m:oMath>
+                </a14:m>
+                <a:r>
+                  <a:rPr lang="en-US" altLang="zh-TW" sz="2000" dirty="0"/>
+                  <a:t>=</a:t>
+                </a:r>
+                <a:r>
+                  <a:rPr lang="en-US" altLang="zh-TW" sz="2000" b="1" dirty="0">
+                    <a:sym typeface="Wingdings" panose="05000000000000000000" pitchFamily="2" charset="2"/>
+                  </a:rPr>
+                  <a:t> </a:t>
+                </a:r>
+                <a14:m>
+                  <m:oMath xmlns:m="http://schemas.openxmlformats.org/officeDocument/2006/math">
+                    <m:sSup>
+                      <m:sSupPr>
+                        <m:ctrlPr>
+                          <a:rPr lang="en-US" altLang="zh-TW" sz="2000" b="1" i="1">
+                            <a:latin typeface="Cambria Math" panose="02040503050406030204" pitchFamily="18" charset="0"/>
+                            <a:sym typeface="Wingdings" panose="05000000000000000000" pitchFamily="2" charset="2"/>
+                          </a:rPr>
+                        </m:ctrlPr>
+                      </m:sSupPr>
+                      <m:e>
+                        <m:r>
+                          <a:rPr lang="en-US" altLang="zh-TW" sz="2000" b="1" i="1" smtClean="0">
+                            <a:latin typeface="Cambria Math" panose="02040503050406030204" pitchFamily="18" charset="0"/>
+                            <a:sym typeface="Wingdings" panose="05000000000000000000" pitchFamily="2" charset="2"/>
+                          </a:rPr>
+                          <m:t>(</m:t>
+                        </m:r>
+                        <m:r>
+                          <a:rPr lang="en-US" altLang="zh-TW" sz="2000" b="1" i="1">
+                            <a:latin typeface="Cambria Math" panose="02040503050406030204" pitchFamily="18" charset="0"/>
+                            <a:sym typeface="Wingdings" panose="05000000000000000000" pitchFamily="2" charset="2"/>
+                          </a:rPr>
+                          <m:t>𝑯</m:t>
+                        </m:r>
+                      </m:e>
+                      <m:sup>
+                        <m:r>
+                          <a:rPr lang="en-US" altLang="zh-TW" sz="2000" b="1" i="1">
+                            <a:latin typeface="Cambria Math" panose="02040503050406030204" pitchFamily="18" charset="0"/>
+                            <a:sym typeface="Wingdings" panose="05000000000000000000" pitchFamily="2" charset="2"/>
+                          </a:rPr>
+                          <m:t>𝑯</m:t>
+                        </m:r>
+                      </m:sup>
+                    </m:sSup>
+                    <m:sSup>
+                      <m:sSupPr>
+                        <m:ctrlPr>
+                          <a:rPr lang="en-US" altLang="zh-TW" sz="2000" b="1" i="1" smtClean="0">
+                            <a:latin typeface="Cambria Math" panose="02040503050406030204" pitchFamily="18" charset="0"/>
+                            <a:sym typeface="Wingdings" panose="05000000000000000000" pitchFamily="2" charset="2"/>
+                          </a:rPr>
+                        </m:ctrlPr>
+                      </m:sSupPr>
+                      <m:e>
+                        <m:r>
+                          <a:rPr lang="en-US" altLang="zh-TW" sz="2000" b="1" i="1" smtClean="0">
+                            <a:latin typeface="Cambria Math" panose="02040503050406030204" pitchFamily="18" charset="0"/>
+                            <a:sym typeface="Wingdings" panose="05000000000000000000" pitchFamily="2" charset="2"/>
+                          </a:rPr>
+                          <m:t>)</m:t>
+                        </m:r>
+                      </m:e>
+                      <m:sup>
+                        <m:r>
+                          <a:rPr lang="en-US" altLang="zh-TW" sz="2000" b="1" i="1" smtClean="0">
+                            <a:latin typeface="Cambria Math" panose="02040503050406030204" pitchFamily="18" charset="0"/>
+                            <a:sym typeface="Wingdings" panose="05000000000000000000" pitchFamily="2" charset="2"/>
+                          </a:rPr>
+                          <m:t>−</m:t>
+                        </m:r>
+                        <m:r>
+                          <a:rPr lang="en-US" altLang="zh-TW" sz="2000" b="1" i="1" smtClean="0">
+                            <a:latin typeface="Cambria Math" panose="02040503050406030204" pitchFamily="18" charset="0"/>
+                            <a:sym typeface="Wingdings" panose="05000000000000000000" pitchFamily="2" charset="2"/>
+                          </a:rPr>
+                          <m:t>𝟏</m:t>
+                        </m:r>
+                      </m:sup>
+                    </m:sSup>
+                    <m:sSup>
+                      <m:sSupPr>
+                        <m:ctrlPr>
+                          <a:rPr lang="en-US" altLang="zh-TW" sz="2000" i="1">
+                            <a:latin typeface="Cambria Math" panose="02040503050406030204" pitchFamily="18" charset="0"/>
+                          </a:rPr>
+                        </m:ctrlPr>
+                      </m:sSupPr>
+                      <m:e>
+                        <m:r>
+                          <a:rPr lang="en-US" altLang="zh-TW" sz="2000" i="1">
+                            <a:latin typeface="Cambria Math" panose="02040503050406030204" pitchFamily="18" charset="0"/>
+                          </a:rPr>
+                          <m:t>[</m:t>
+                        </m:r>
+                        <m:r>
+                          <a:rPr lang="en-US" altLang="zh-TW" sz="2000" i="1">
+                            <a:latin typeface="Cambria Math" panose="02040503050406030204" pitchFamily="18" charset="0"/>
+                          </a:rPr>
+                          <m:t>0….0 1 0 ….0</m:t>
+                        </m:r>
+                        <m:r>
+                          <a:rPr lang="en-US" altLang="zh-TW" sz="2000" i="1">
+                            <a:latin typeface="Cambria Math" panose="02040503050406030204" pitchFamily="18" charset="0"/>
+                          </a:rPr>
+                          <m:t>]</m:t>
+                        </m:r>
+                      </m:e>
+                      <m:sup>
+                        <m:r>
+                          <a:rPr lang="en-US" altLang="zh-TW" sz="2000" i="1">
+                            <a:latin typeface="Cambria Math" panose="02040503050406030204" pitchFamily="18" charset="0"/>
+                          </a:rPr>
+                          <m:t>𝑇</m:t>
+                        </m:r>
+                      </m:sup>
+                    </m:sSup>
+                  </m:oMath>
+                </a14:m>
+                <a:r>
+                  <a:rPr lang="en-US" altLang="zh-TW" sz="2000" dirty="0"/>
+                  <a:t>.</a:t>
+                </a:r>
+              </a:p>
+              <a:p>
+                <a:pPr>
+                  <a:lnSpc>
+                    <a:spcPct val="100000"/>
+                  </a:lnSpc>
+                </a:pPr>
+                <a:r>
+                  <a:rPr lang="en-US" altLang="zh-TW" sz="2000" dirty="0"/>
+                  <a:t>Disadvantage: Noise enhancement</a:t>
+                </a:r>
+              </a:p>
+              <a:p>
+                <a:pPr>
+                  <a:lnSpc>
+                    <a:spcPct val="150000"/>
+                  </a:lnSpc>
+                </a:pPr>
+                <a:endParaRPr lang="en-US" altLang="zh-TW" sz="2000" dirty="0">
+                  <a:latin typeface="Cambria Math" panose="02040503050406030204" pitchFamily="18" charset="0"/>
+                </a:endParaRPr>
+              </a:p>
+              <a:p>
+                <a:endParaRPr lang="en-US" altLang="zh-TW" sz="2000" i="1" dirty="0">
+                  <a:solidFill>
+                    <a:schemeClr val="tx1"/>
+                  </a:solidFill>
+                  <a:latin typeface="Cambria Math" panose="02040503050406030204" pitchFamily="18" charset="0"/>
+                </a:endParaRPr>
+              </a:p>
+              <a:p>
+                <a:endParaRPr lang="en-US" altLang="zh-TW" sz="2000" i="1" dirty="0">
+                  <a:solidFill>
+                    <a:schemeClr val="tx1"/>
+                  </a:solidFill>
+                  <a:latin typeface="Cambria Math" panose="02040503050406030204" pitchFamily="18" charset="0"/>
+                </a:endParaRPr>
+              </a:p>
+              <a:p>
+                <a:pPr marL="0" indent="0">
+                  <a:buNone/>
+                </a:pPr>
+                <a:endParaRPr lang="en-US" altLang="zh-TW" sz="2000" dirty="0">
+                  <a:latin typeface="Cambria Math" panose="02040503050406030204" pitchFamily="18" charset="0"/>
+                </a:endParaRPr>
+              </a:p>
+            </p:txBody>
+          </p:sp>
+        </mc:Choice>
+        <mc:Fallback>
+          <p:sp>
+            <p:nvSpPr>
+              <p:cNvPr id="3" name="內容版面配置區 2">
+                <a:extLst>
+                  <a:ext uri="{FF2B5EF4-FFF2-40B4-BE49-F238E27FC236}">
+                    <a16:creationId xmlns:a16="http://schemas.microsoft.com/office/drawing/2014/main" id="{9D4CB2E9-7E15-43D3-A379-03B75AFB1742}"/>
+                  </a:ext>
+                </a:extLst>
+              </p:cNvPr>
+              <p:cNvSpPr>
+                <a:spLocks noGrp="1" noRot="1" noChangeAspect="1" noMove="1" noResize="1" noEditPoints="1" noAdjustHandles="1" noChangeArrowheads="1" noChangeShapeType="1" noTextEdit="1"/>
+              </p:cNvSpPr>
+              <p:nvPr>
+                <p:ph idx="1"/>
+              </p:nvPr>
+            </p:nvSpPr>
+            <p:spPr>
+              <a:xfrm>
+                <a:off x="838200" y="1617890"/>
+                <a:ext cx="8596668" cy="4764505"/>
+              </a:xfrm>
+              <a:blipFill>
+                <a:blip r:embed="rId2"/>
+                <a:stretch>
+                  <a:fillRect l="-780"/>
+                </a:stretch>
+              </a:blipFill>
+            </p:spPr>
+            <p:txBody>
+              <a:bodyPr/>
+              <a:lstStyle/>
+              <a:p>
+                <a:r>
+                  <a:rPr lang="zh-TW" altLang="en-US">
+                    <a:noFill/>
+                  </a:rPr>
+                  <a:t> </a:t>
+                </a:r>
+              </a:p>
+            </p:txBody>
+          </p:sp>
+        </mc:Fallback>
+      </mc:AlternateContent>
+      <p:sp>
+        <p:nvSpPr>
+          <p:cNvPr id="4" name="文字方塊 3">
+            <a:extLst>
+              <a:ext uri="{FF2B5EF4-FFF2-40B4-BE49-F238E27FC236}">
+                <a16:creationId xmlns:a16="http://schemas.microsoft.com/office/drawing/2014/main" id="{E0C63D53-5BCD-4316-BEDD-AA5C35982B63}"/>
+              </a:ext>
+            </a:extLst>
+          </p:cNvPr>
+          <p:cNvSpPr txBox="1"/>
+          <p:nvPr/>
+        </p:nvSpPr>
+        <p:spPr>
+          <a:xfrm>
+            <a:off x="5637402" y="2973897"/>
+            <a:ext cx="65" cy="276999"/>
+          </a:xfrm>
+          <a:prstGeom prst="rect">
+            <a:avLst/>
+          </a:prstGeom>
+          <a:noFill/>
+        </p:spPr>
+        <p:txBody>
+          <a:bodyPr wrap="none" lIns="0" tIns="0" rIns="0" bIns="0" rtlCol="0">
+            <a:spAutoFit/>
+          </a:bodyPr>
+          <a:lstStyle/>
+          <a:p>
+            <a:endParaRPr lang="zh-TW" altLang="en-US" dirty="0"/>
+          </a:p>
+        </p:txBody>
+      </p:sp>
+      <p:sp>
+        <p:nvSpPr>
+          <p:cNvPr id="5" name="右大括弧 4">
+            <a:extLst>
+              <a:ext uri="{FF2B5EF4-FFF2-40B4-BE49-F238E27FC236}">
+                <a16:creationId xmlns:a16="http://schemas.microsoft.com/office/drawing/2014/main" id="{B1AE6764-62B5-6632-6F69-0581F4050CBF}"/>
+              </a:ext>
+            </a:extLst>
+          </p:cNvPr>
+          <p:cNvSpPr/>
+          <p:nvPr/>
+        </p:nvSpPr>
+        <p:spPr>
+          <a:xfrm rot="5400000">
+            <a:off x="3407228" y="3939033"/>
+            <a:ext cx="155448" cy="914400"/>
+          </a:xfrm>
+          <a:prstGeom prst="rightBrace">
+            <a:avLst/>
+          </a:prstGeom>
+        </p:spPr>
+        <p:style>
+          <a:lnRef idx="1">
+            <a:schemeClr val="dk1"/>
+          </a:lnRef>
+          <a:fillRef idx="0">
+            <a:schemeClr val="dk1"/>
+          </a:fillRef>
+          <a:effectRef idx="0">
+            <a:schemeClr val="dk1"/>
+          </a:effectRef>
+          <a:fontRef idx="minor">
+            <a:schemeClr val="tx1"/>
+          </a:fontRef>
+        </p:style>
+        <p:txBody>
+          <a:bodyPr rtlCol="0" anchor="ctr"/>
+          <a:lstStyle/>
+          <a:p>
+            <a:pPr algn="ctr"/>
+            <a:endParaRPr lang="zh-TW" altLang="en-US" dirty="0"/>
+          </a:p>
+        </p:txBody>
+      </p:sp>
+      <mc:AlternateContent xmlns:mc="http://schemas.openxmlformats.org/markup-compatibility/2006">
+        <mc:Choice xmlns:a14="http://schemas.microsoft.com/office/drawing/2010/main" Requires="a14">
+          <p:sp>
+            <p:nvSpPr>
+              <p:cNvPr id="6" name="文字方塊 5">
+                <a:extLst>
+                  <a:ext uri="{FF2B5EF4-FFF2-40B4-BE49-F238E27FC236}">
+                    <a16:creationId xmlns:a16="http://schemas.microsoft.com/office/drawing/2014/main" id="{0226762C-0810-FA1A-F7F0-A021D42CECEB}"/>
+                  </a:ext>
+                </a:extLst>
+              </p:cNvPr>
+              <p:cNvSpPr txBox="1"/>
+              <p:nvPr/>
+            </p:nvSpPr>
+            <p:spPr>
+              <a:xfrm>
+                <a:off x="3103952" y="4474793"/>
+                <a:ext cx="914400" cy="369332"/>
+              </a:xfrm>
+              <a:prstGeom prst="rect">
+                <a:avLst/>
+              </a:prstGeom>
+              <a:noFill/>
+            </p:spPr>
+            <p:txBody>
+              <a:bodyPr wrap="square" rtlCol="0">
+                <a:spAutoFit/>
+              </a:bodyPr>
+              <a:lstStyle/>
+              <a:p>
+                <a:r>
+                  <a:rPr lang="en-US" altLang="zh-TW" dirty="0"/>
+                  <a:t>Delay </a:t>
+                </a:r>
+                <a14:m>
+                  <m:oMath xmlns:m="http://schemas.openxmlformats.org/officeDocument/2006/math">
+                    <m:r>
+                      <a:rPr lang="en-US" altLang="zh-TW" i="1" smtClean="0">
+                        <a:latin typeface="Cambria Math" panose="02040503050406030204" pitchFamily="18" charset="0"/>
+                        <a:ea typeface="Cambria Math" panose="02040503050406030204" pitchFamily="18" charset="0"/>
+                      </a:rPr>
+                      <m:t>∆</m:t>
+                    </m:r>
+                  </m:oMath>
+                </a14:m>
+                <a:endParaRPr lang="zh-TW" altLang="en-US" dirty="0"/>
+              </a:p>
+            </p:txBody>
+          </p:sp>
+        </mc:Choice>
+        <mc:Fallback>
+          <p:sp>
+            <p:nvSpPr>
+              <p:cNvPr id="6" name="文字方塊 5">
+                <a:extLst>
+                  <a:ext uri="{FF2B5EF4-FFF2-40B4-BE49-F238E27FC236}">
+                    <a16:creationId xmlns:a16="http://schemas.microsoft.com/office/drawing/2014/main" id="{0226762C-0810-FA1A-F7F0-A021D42CECEB}"/>
+                  </a:ext>
+                </a:extLst>
+              </p:cNvPr>
+              <p:cNvSpPr txBox="1">
+                <a:spLocks noRot="1" noChangeAspect="1" noMove="1" noResize="1" noEditPoints="1" noAdjustHandles="1" noChangeArrowheads="1" noChangeShapeType="1" noTextEdit="1"/>
+              </p:cNvSpPr>
+              <p:nvPr/>
+            </p:nvSpPr>
+            <p:spPr>
+              <a:xfrm>
+                <a:off x="3103952" y="4474793"/>
+                <a:ext cx="914400" cy="369332"/>
+              </a:xfrm>
+              <a:prstGeom prst="rect">
+                <a:avLst/>
+              </a:prstGeom>
+              <a:blipFill>
+                <a:blip r:embed="rId3"/>
+                <a:stretch>
+                  <a:fillRect l="-5333" t="-8197" b="-24590"/>
+                </a:stretch>
+              </a:blipFill>
+            </p:spPr>
+            <p:txBody>
+              <a:bodyPr/>
+              <a:lstStyle/>
+              <a:p>
+                <a:r>
+                  <a:rPr lang="zh-TW" altLang="en-US">
+                    <a:noFill/>
+                  </a:rPr>
+                  <a:t> </a:t>
+                </a:r>
+              </a:p>
+            </p:txBody>
+          </p:sp>
+        </mc:Fallback>
+      </mc:AlternateContent>
+    </p:spTree>
+    <p:extLst>
+      <p:ext uri="{BB962C8B-B14F-4D97-AF65-F5344CB8AC3E}">
+        <p14:creationId xmlns:p14="http://schemas.microsoft.com/office/powerpoint/2010/main" val="733230379"/>
+      </p:ext>
+    </p:extLst>
+  </p:cSld>
+  <p:clrMapOvr>
+    <a:masterClrMapping/>
+  </p:clrMapOvr>
+</p:sld>
+</file>
+
+<file path=ppt/slides/slide9.xml><?xml version="1.0" encoding="utf-8"?>
 <p:sld xmlns:a="http://schemas.openxmlformats.org/drawingml/2006/main" xmlns:r="http://schemas.openxmlformats.org/officeDocument/2006/relationships" xmlns:p="http://schemas.openxmlformats.org/presentationml/2006/main">
   <p:cSld>
     <p:spTree>
@@ -8065,7 +9684,7 @@
                   <a:buChar char="•"/>
                 </a:pPr>
                 <a:r>
-                  <a:rPr lang="en-US" altLang="zh-TW" sz="2400" dirty="0" smtClean="0"/>
+                  <a:rPr lang="en-US" altLang="zh-TW" sz="2400" dirty="0"/>
                   <a:t>Why LMS?</a:t>
                 </a:r>
               </a:p>
@@ -8309,7 +9928,7 @@
                     </m:r>
                   </m:oMath>
                 </a14:m>
-                <a:endParaRPr lang="en-US" altLang="zh-TW" sz="2000" dirty="0" smtClean="0"/>
+                <a:endParaRPr lang="en-US" altLang="zh-TW" sz="2000" dirty="0"/>
               </a:p>
               <a:p>
                 <a:endParaRPr lang="en-US" altLang="zh-TW" sz="2000" dirty="0"/>
@@ -8500,7 +10119,7 @@
                   </m:oMath>
                 </a14:m>
                 <a:r>
-                  <a:rPr lang="en-US" altLang="zh-TW" sz="2000" dirty="0" smtClean="0"/>
+                  <a:rPr lang="en-US" altLang="zh-TW" sz="2000" dirty="0"/>
                   <a:t>], </a:t>
                 </a:r>
               </a:p>
@@ -8511,7 +10130,7 @@
                   </a:lnSpc>
                 </a:pPr>
                 <a:r>
-                  <a:rPr lang="en-US" altLang="zh-TW" sz="2000" dirty="0" smtClean="0"/>
+                  <a:rPr lang="en-US" altLang="zh-TW" sz="2000" dirty="0"/>
                   <a:t>      where </a:t>
                 </a:r>
                 <a14:m>
@@ -8690,158 +10309,6 @@
     <p:extLst>
       <p:ext uri="{BB962C8B-B14F-4D97-AF65-F5344CB8AC3E}">
         <p14:creationId xmlns:p14="http://schemas.microsoft.com/office/powerpoint/2010/main" val="3924509874"/>
-      </p:ext>
-    </p:extLst>
-  </p:cSld>
-  <p:clrMapOvr>
-    <a:masterClrMapping/>
-  </p:clrMapOvr>
-</p:sld>
-</file>
-
-<file path=ppt/slides/slide9.xml><?xml version="1.0" encoding="utf-8"?>
-<p:sld xmlns:a="http://schemas.openxmlformats.org/drawingml/2006/main" xmlns:r="http://schemas.openxmlformats.org/officeDocument/2006/relationships" xmlns:p="http://schemas.openxmlformats.org/presentationml/2006/main">
-  <p:cSld>
-    <p:spTree>
-      <p:nvGrpSpPr>
-        <p:cNvPr id="1" name=""/>
-        <p:cNvGrpSpPr/>
-        <p:nvPr/>
-      </p:nvGrpSpPr>
-      <p:grpSpPr>
-        <a:xfrm>
-          <a:off x="0" y="0"/>
-          <a:ext cx="0" cy="0"/>
-          <a:chOff x="0" y="0"/>
-          <a:chExt cx="0" cy="0"/>
-        </a:xfrm>
-      </p:grpSpPr>
-      <p:sp>
-        <p:nvSpPr>
-          <p:cNvPr id="2" name="標題 1">
-            <a:extLst>
-              <a:ext uri="{FF2B5EF4-FFF2-40B4-BE49-F238E27FC236}">
-                <a16:creationId xmlns:a16="http://schemas.microsoft.com/office/drawing/2014/main" id="{3821326A-2BC0-47B5-9AF7-32686279A2D8}"/>
-              </a:ext>
-            </a:extLst>
-          </p:cNvPr>
-          <p:cNvSpPr>
-            <a:spLocks noGrp="1"/>
-          </p:cNvSpPr>
-          <p:nvPr>
-            <p:ph type="title"/>
-          </p:nvPr>
-        </p:nvSpPr>
-        <p:spPr/>
-        <p:txBody>
-          <a:bodyPr/>
-          <a:lstStyle/>
-          <a:p>
-            <a:r>
-              <a:rPr lang="en-US" altLang="zh-TW" dirty="0" smtClean="0"/>
-              <a:t>Comparison</a:t>
-            </a:r>
-            <a:endParaRPr lang="zh-TW" altLang="en-US" dirty="0"/>
-          </a:p>
-        </p:txBody>
-      </p:sp>
-      <p:sp>
-        <p:nvSpPr>
-          <p:cNvPr id="4" name="文字方塊 3">
-            <a:extLst>
-              <a:ext uri="{FF2B5EF4-FFF2-40B4-BE49-F238E27FC236}">
-                <a16:creationId xmlns:a16="http://schemas.microsoft.com/office/drawing/2014/main" id="{D4F825CB-BD68-4DB9-A33C-D0EAD9D1A3C1}"/>
-              </a:ext>
-            </a:extLst>
-          </p:cNvPr>
-          <p:cNvSpPr txBox="1"/>
-          <p:nvPr/>
-        </p:nvSpPr>
-        <p:spPr>
-          <a:xfrm>
-            <a:off x="908211" y="1853192"/>
-            <a:ext cx="6231498" cy="677108"/>
-          </a:xfrm>
-          <a:prstGeom prst="rect">
-            <a:avLst/>
-          </a:prstGeom>
-          <a:noFill/>
-        </p:spPr>
-        <p:txBody>
-          <a:bodyPr wrap="square" rtlCol="0">
-            <a:spAutoFit/>
-          </a:bodyPr>
-          <a:lstStyle/>
-          <a:p>
-            <a:pPr marL="342900" indent="-342900">
-              <a:buFont typeface="Arial" panose="020B0604020202020204" pitchFamily="34" charset="0"/>
-              <a:buChar char="•"/>
-            </a:pPr>
-            <a:endParaRPr lang="en-US" altLang="zh-TW" sz="2000" dirty="0"/>
-          </a:p>
-          <a:p>
-            <a:r>
-              <a:rPr lang="en-US" altLang="zh-TW" b="1" dirty="0">
-                <a:sym typeface="Wingdings" panose="05000000000000000000" pitchFamily="2" charset="2"/>
-              </a:rPr>
-              <a:t>    </a:t>
-            </a:r>
-            <a:endParaRPr lang="zh-TW" altLang="en-US" dirty="0"/>
-          </a:p>
-        </p:txBody>
-      </p:sp>
-      <p:pic>
-        <p:nvPicPr>
-          <p:cNvPr id="3" name="圖片 2"/>
-          <p:cNvPicPr>
-            <a:picLocks noChangeAspect="1"/>
-          </p:cNvPicPr>
-          <p:nvPr/>
-        </p:nvPicPr>
-        <p:blipFill>
-          <a:blip r:embed="rId2"/>
-          <a:stretch>
-            <a:fillRect/>
-          </a:stretch>
-        </p:blipFill>
-        <p:spPr>
-          <a:xfrm>
-            <a:off x="1021996" y="1690688"/>
-            <a:ext cx="5470500" cy="4102000"/>
-          </a:xfrm>
-          <a:prstGeom prst="rect">
-            <a:avLst/>
-          </a:prstGeom>
-        </p:spPr>
-      </p:pic>
-      <p:pic>
-        <p:nvPicPr>
-          <p:cNvPr id="6" name="圖片 5"/>
-          <p:cNvPicPr>
-            <a:picLocks noChangeAspect="1"/>
-          </p:cNvPicPr>
-          <p:nvPr/>
-        </p:nvPicPr>
-        <p:blipFill>
-          <a:blip r:embed="rId3"/>
-          <a:stretch>
-            <a:fillRect/>
-          </a:stretch>
-        </p:blipFill>
-        <p:spPr>
-          <a:xfrm>
-            <a:off x="6367164" y="1690688"/>
-            <a:ext cx="5616752" cy="4211665"/>
-          </a:xfrm>
-          <a:prstGeom prst="rect">
-            <a:avLst/>
-          </a:prstGeom>
-        </p:spPr>
-      </p:pic>
-    </p:spTree>
-    <p:extLst>
-      <p:ext uri="{BB962C8B-B14F-4D97-AF65-F5344CB8AC3E}">
-        <p14:creationId xmlns:p14="http://schemas.microsoft.com/office/powerpoint/2010/main" val="3643879747"/>
       </p:ext>
     </p:extLst>
   </p:cSld>

--- a/channel equalization/channel equalization report.pptx
+++ b/channel equalization/channel equalization report.pptx
@@ -410,7 +410,7 @@
           <a:p>
             <a:fld id="{3061FCB4-5B0F-4F89-A344-FBA67D40ECCB}" type="datetimeFigureOut">
               <a:rPr lang="zh-TW" altLang="en-US" smtClean="0"/>
-              <a:t>2022/7/6</a:t>
+              <a:t>2022/7/7</a:t>
             </a:fld>
             <a:endParaRPr lang="zh-TW" altLang="en-US"/>
           </a:p>
@@ -974,7 +974,7 @@
           <a:p>
             <a:fld id="{633CDB1E-0C9B-4D78-88B5-101D85F399D7}" type="datetimeFigureOut">
               <a:rPr lang="zh-TW" altLang="en-US" smtClean="0"/>
-              <a:t>2022/7/6</a:t>
+              <a:t>2022/7/7</a:t>
             </a:fld>
             <a:endParaRPr lang="zh-TW" altLang="en-US"/>
           </a:p>
@@ -1142,7 +1142,7 @@
           <a:p>
             <a:fld id="{633CDB1E-0C9B-4D78-88B5-101D85F399D7}" type="datetimeFigureOut">
               <a:rPr lang="zh-TW" altLang="en-US" smtClean="0"/>
-              <a:t>2022/7/6</a:t>
+              <a:t>2022/7/7</a:t>
             </a:fld>
             <a:endParaRPr lang="zh-TW" altLang="en-US"/>
           </a:p>
@@ -1320,7 +1320,7 @@
           <a:p>
             <a:fld id="{633CDB1E-0C9B-4D78-88B5-101D85F399D7}" type="datetimeFigureOut">
               <a:rPr lang="zh-TW" altLang="en-US" smtClean="0"/>
-              <a:t>2022/7/6</a:t>
+              <a:t>2022/7/7</a:t>
             </a:fld>
             <a:endParaRPr lang="zh-TW" altLang="en-US"/>
           </a:p>
@@ -1488,7 +1488,7 @@
           <a:p>
             <a:fld id="{633CDB1E-0C9B-4D78-88B5-101D85F399D7}" type="datetimeFigureOut">
               <a:rPr lang="zh-TW" altLang="en-US" smtClean="0"/>
-              <a:t>2022/7/6</a:t>
+              <a:t>2022/7/7</a:t>
             </a:fld>
             <a:endParaRPr lang="zh-TW" altLang="en-US"/>
           </a:p>
@@ -1733,7 +1733,7 @@
           <a:p>
             <a:fld id="{633CDB1E-0C9B-4D78-88B5-101D85F399D7}" type="datetimeFigureOut">
               <a:rPr lang="zh-TW" altLang="en-US" smtClean="0"/>
-              <a:t>2022/7/6</a:t>
+              <a:t>2022/7/7</a:t>
             </a:fld>
             <a:endParaRPr lang="zh-TW" altLang="en-US"/>
           </a:p>
@@ -1962,7 +1962,7 @@
           <a:p>
             <a:fld id="{633CDB1E-0C9B-4D78-88B5-101D85F399D7}" type="datetimeFigureOut">
               <a:rPr lang="zh-TW" altLang="en-US" smtClean="0"/>
-              <a:t>2022/7/6</a:t>
+              <a:t>2022/7/7</a:t>
             </a:fld>
             <a:endParaRPr lang="zh-TW" altLang="en-US"/>
           </a:p>
@@ -2326,7 +2326,7 @@
           <a:p>
             <a:fld id="{633CDB1E-0C9B-4D78-88B5-101D85F399D7}" type="datetimeFigureOut">
               <a:rPr lang="zh-TW" altLang="en-US" smtClean="0"/>
-              <a:t>2022/7/6</a:t>
+              <a:t>2022/7/7</a:t>
             </a:fld>
             <a:endParaRPr lang="zh-TW" altLang="en-US"/>
           </a:p>
@@ -2443,7 +2443,7 @@
           <a:p>
             <a:fld id="{633CDB1E-0C9B-4D78-88B5-101D85F399D7}" type="datetimeFigureOut">
               <a:rPr lang="zh-TW" altLang="en-US" smtClean="0"/>
-              <a:t>2022/7/6</a:t>
+              <a:t>2022/7/7</a:t>
             </a:fld>
             <a:endParaRPr lang="zh-TW" altLang="en-US"/>
           </a:p>
@@ -2538,7 +2538,7 @@
           <a:p>
             <a:fld id="{633CDB1E-0C9B-4D78-88B5-101D85F399D7}" type="datetimeFigureOut">
               <a:rPr lang="zh-TW" altLang="en-US" smtClean="0"/>
-              <a:t>2022/7/6</a:t>
+              <a:t>2022/7/7</a:t>
             </a:fld>
             <a:endParaRPr lang="zh-TW" altLang="en-US"/>
           </a:p>
@@ -2813,7 +2813,7 @@
           <a:p>
             <a:fld id="{633CDB1E-0C9B-4D78-88B5-101D85F399D7}" type="datetimeFigureOut">
               <a:rPr lang="zh-TW" altLang="en-US" smtClean="0"/>
-              <a:t>2022/7/6</a:t>
+              <a:t>2022/7/7</a:t>
             </a:fld>
             <a:endParaRPr lang="zh-TW" altLang="en-US"/>
           </a:p>
@@ -3065,7 +3065,7 @@
           <a:p>
             <a:fld id="{633CDB1E-0C9B-4D78-88B5-101D85F399D7}" type="datetimeFigureOut">
               <a:rPr lang="zh-TW" altLang="en-US" smtClean="0"/>
-              <a:t>2022/7/6</a:t>
+              <a:t>2022/7/7</a:t>
             </a:fld>
             <a:endParaRPr lang="zh-TW" altLang="en-US"/>
           </a:p>
@@ -3276,7 +3276,7 @@
           <a:p>
             <a:fld id="{633CDB1E-0C9B-4D78-88B5-101D85F399D7}" type="datetimeFigureOut">
               <a:rPr lang="zh-TW" altLang="en-US" smtClean="0"/>
-              <a:t>2022/7/6</a:t>
+              <a:t>2022/7/7</a:t>
             </a:fld>
             <a:endParaRPr lang="zh-TW" altLang="en-US"/>
           </a:p>
@@ -3757,12 +3757,13 @@
             <a:pPr algn="ctr"/>
             <a:r>
               <a:rPr lang="zh-TW" altLang="en-US" dirty="0"/>
-              <a:t>方宣翔 </a:t>
+              <a:t>方宣</a:t>
             </a:r>
             <a:r>
-              <a:rPr lang="en-US" altLang="zh-TW" dirty="0"/>
-              <a:t>Q36104080</a:t>
+              <a:rPr lang="zh-TW" altLang="en-US" dirty="0" smtClean="0"/>
+              <a:t>翔</a:t>
             </a:r>
+            <a:endParaRPr lang="en-US" altLang="zh-TW" dirty="0"/>
           </a:p>
         </p:txBody>
       </p:sp>
@@ -4806,8 +4807,8 @@
           </a:p>
         </p:txBody>
       </p:sp>
-      <mc:AlternateContent xmlns:mc="http://schemas.openxmlformats.org/markup-compatibility/2006">
-        <mc:Choice xmlns:a14="http://schemas.microsoft.com/office/drawing/2010/main" Requires="a14">
+      <mc:AlternateContent xmlns:mc="http://schemas.openxmlformats.org/markup-compatibility/2006" xmlns:a14="http://schemas.microsoft.com/office/drawing/2010/main">
+        <mc:Choice Requires="a14">
           <p:sp>
             <p:nvSpPr>
               <p:cNvPr id="5" name="文字方塊 4">
@@ -5073,7 +5074,7 @@
             </p:txBody>
           </p:sp>
         </mc:Choice>
-        <mc:Fallback>
+        <mc:Fallback xmlns="">
           <p:sp>
             <p:nvSpPr>
               <p:cNvPr id="5" name="文字方塊 4">
@@ -5212,8 +5213,8 @@
           </a:p>
         </p:txBody>
       </p:sp>
-      <mc:AlternateContent xmlns:mc="http://schemas.openxmlformats.org/markup-compatibility/2006">
-        <mc:Choice xmlns:a14="http://schemas.microsoft.com/office/drawing/2010/main" Requires="a14">
+      <mc:AlternateContent xmlns:mc="http://schemas.openxmlformats.org/markup-compatibility/2006" xmlns:a14="http://schemas.microsoft.com/office/drawing/2010/main">
+        <mc:Choice Requires="a14">
           <p:sp>
             <p:nvSpPr>
               <p:cNvPr id="3" name="內容版面配置區 2">
@@ -6603,7 +6604,7 @@
             </p:txBody>
           </p:sp>
         </mc:Choice>
-        <mc:Fallback>
+        <mc:Fallback xmlns="">
           <p:sp>
             <p:nvSpPr>
               <p:cNvPr id="3" name="內容版面配置區 2">
@@ -8272,8 +8273,8 @@
           </a:p>
         </p:txBody>
       </p:sp>
-      <mc:AlternateContent xmlns:mc="http://schemas.openxmlformats.org/markup-compatibility/2006">
-        <mc:Choice xmlns:a14="http://schemas.microsoft.com/office/drawing/2010/main" Requires="a14">
+      <mc:AlternateContent xmlns:mc="http://schemas.openxmlformats.org/markup-compatibility/2006" xmlns:a14="http://schemas.microsoft.com/office/drawing/2010/main">
+        <mc:Choice Requires="a14">
           <p:sp>
             <p:nvSpPr>
               <p:cNvPr id="3" name="內容版面配置區 2">
@@ -9290,19 +9291,7 @@
                           <a:rPr lang="en-US" altLang="zh-TW" sz="2000" i="1">
                             <a:latin typeface="Cambria Math" panose="02040503050406030204" pitchFamily="18" charset="0"/>
                           </a:rPr>
-                          <m:t>[</m:t>
-                        </m:r>
-                        <m:r>
-                          <a:rPr lang="en-US" altLang="zh-TW" sz="2000" i="1">
-                            <a:latin typeface="Cambria Math" panose="02040503050406030204" pitchFamily="18" charset="0"/>
-                          </a:rPr>
-                          <m:t>0….0 1 0 ….0</m:t>
-                        </m:r>
-                        <m:r>
-                          <a:rPr lang="en-US" altLang="zh-TW" sz="2000" i="1">
-                            <a:latin typeface="Cambria Math" panose="02040503050406030204" pitchFamily="18" charset="0"/>
-                          </a:rPr>
-                          <m:t>]</m:t>
+                          <m:t>[0….0 1 0 ….0]</m:t>
                         </m:r>
                       </m:e>
                       <m:sup>
@@ -9369,7 +9358,7 @@
             </p:txBody>
           </p:sp>
         </mc:Choice>
-        <mc:Fallback>
+        <mc:Fallback xmlns="">
           <p:sp>
             <p:nvSpPr>
               <p:cNvPr id="3" name="內容版面配置區 2">
@@ -9489,8 +9478,8 @@
           </a:p>
         </p:txBody>
       </p:sp>
-      <mc:AlternateContent xmlns:mc="http://schemas.openxmlformats.org/markup-compatibility/2006">
-        <mc:Choice xmlns:a14="http://schemas.microsoft.com/office/drawing/2010/main" Requires="a14">
+      <mc:AlternateContent xmlns:mc="http://schemas.openxmlformats.org/markup-compatibility/2006" xmlns:a14="http://schemas.microsoft.com/office/drawing/2010/main">
+        <mc:Choice Requires="a14">
           <p:sp>
             <p:nvSpPr>
               <p:cNvPr id="6" name="文字方塊 5">
@@ -9539,7 +9528,7 @@
             </p:txBody>
           </p:sp>
         </mc:Choice>
-        <mc:Fallback>
+        <mc:Fallback xmlns="">
           <p:sp>
             <p:nvSpPr>
               <p:cNvPr id="6" name="文字方塊 5">
